--- a/Interface&Generics.pptx
+++ b/Interface&Generics.pptx
@@ -4,15 +4,16 @@
   <p:sldMasterIdLst>
     <p:sldMasterId id="2147483696" r:id="rId1"/>
   </p:sldMasterIdLst>
+  <p:notesMasterIdLst>
+    <p:notesMasterId r:id="rId8"/>
+  </p:notesMasterIdLst>
   <p:sldIdLst>
     <p:sldId id="256" r:id="rId2"/>
     <p:sldId id="257" r:id="rId3"/>
     <p:sldId id="259" r:id="rId4"/>
     <p:sldId id="260" r:id="rId5"/>
     <p:sldId id="261" r:id="rId6"/>
-    <p:sldId id="262" r:id="rId7"/>
-    <p:sldId id="263" r:id="rId8"/>
-    <p:sldId id="264" r:id="rId9"/>
+    <p:sldId id="264" r:id="rId7"/>
   </p:sldIdLst>
   <p:sldSz cx="12192000" cy="6858000"/>
   <p:notesSz cx="6858000" cy="9144000"/>
@@ -111,7 +112,618 @@
       </a:defRPr>
     </a:lvl9pPr>
   </p:defaultTextStyle>
+  <p:extLst>
+    <p:ext uri="{EFAFB233-063F-42B5-8137-9DF3F51BA10A}">
+      <p15:sldGuideLst xmlns:p15="http://schemas.microsoft.com/office/powerpoint/2012/main"/>
+    </p:ext>
+  </p:extLst>
 </p:presentation>
+</file>
+
+<file path=ppt/notesMasters/notesMaster1.xml><?xml version="1.0" encoding="utf-8"?>
+<p:notesMaster xmlns:a="http://schemas.openxmlformats.org/drawingml/2006/main" xmlns:r="http://schemas.openxmlformats.org/officeDocument/2006/relationships" xmlns:p="http://schemas.openxmlformats.org/presentationml/2006/main">
+  <p:cSld>
+    <p:bg>
+      <p:bgRef idx="1001">
+        <a:schemeClr val="bg1"/>
+      </p:bgRef>
+    </p:bg>
+    <p:spTree>
+      <p:nvGrpSpPr>
+        <p:cNvPr id="1" name=""/>
+        <p:cNvGrpSpPr/>
+        <p:nvPr/>
+      </p:nvGrpSpPr>
+      <p:grpSpPr>
+        <a:xfrm>
+          <a:off x="0" y="0"/>
+          <a:ext cx="0" cy="0"/>
+          <a:chOff x="0" y="0"/>
+          <a:chExt cx="0" cy="0"/>
+        </a:xfrm>
+      </p:grpSpPr>
+      <p:sp>
+        <p:nvSpPr>
+          <p:cNvPr id="2" name="Pladsholder til sidehoved 1"/>
+          <p:cNvSpPr>
+            <a:spLocks noGrp="1"/>
+          </p:cNvSpPr>
+          <p:nvPr>
+            <p:ph type="hdr" sz="quarter"/>
+          </p:nvPr>
+        </p:nvSpPr>
+        <p:spPr>
+          <a:xfrm>
+            <a:off x="0" y="0"/>
+            <a:ext cx="2971800" cy="458788"/>
+          </a:xfrm>
+          <a:prstGeom prst="rect">
+            <a:avLst/>
+          </a:prstGeom>
+        </p:spPr>
+        <p:txBody>
+          <a:bodyPr vert="horz" lIns="91440" tIns="45720" rIns="91440" bIns="45720" rtlCol="0"/>
+          <a:lstStyle>
+            <a:lvl1pPr algn="l">
+              <a:defRPr sz="1200"/>
+            </a:lvl1pPr>
+          </a:lstStyle>
+          <a:p>
+            <a:endParaRPr lang="en-GB"/>
+          </a:p>
+        </p:txBody>
+      </p:sp>
+      <p:sp>
+        <p:nvSpPr>
+          <p:cNvPr id="3" name="Pladsholder til dato 2"/>
+          <p:cNvSpPr>
+            <a:spLocks noGrp="1"/>
+          </p:cNvSpPr>
+          <p:nvPr>
+            <p:ph type="dt" idx="1"/>
+          </p:nvPr>
+        </p:nvSpPr>
+        <p:spPr>
+          <a:xfrm>
+            <a:off x="3884613" y="0"/>
+            <a:ext cx="2971800" cy="458788"/>
+          </a:xfrm>
+          <a:prstGeom prst="rect">
+            <a:avLst/>
+          </a:prstGeom>
+        </p:spPr>
+        <p:txBody>
+          <a:bodyPr vert="horz" lIns="91440" tIns="45720" rIns="91440" bIns="45720" rtlCol="0"/>
+          <a:lstStyle>
+            <a:lvl1pPr algn="r">
+              <a:defRPr sz="1200"/>
+            </a:lvl1pPr>
+          </a:lstStyle>
+          <a:p>
+            <a:fld id="{16A696D6-6C44-4B32-8FEE-E7A5C200D280}" type="datetimeFigureOut">
+              <a:rPr lang="en-GB" smtClean="0"/>
+              <a:t>08/01/2019</a:t>
+            </a:fld>
+            <a:endParaRPr lang="en-GB"/>
+          </a:p>
+        </p:txBody>
+      </p:sp>
+      <p:sp>
+        <p:nvSpPr>
+          <p:cNvPr id="4" name="Pladsholder til slidebillede 3"/>
+          <p:cNvSpPr>
+            <a:spLocks noGrp="1" noRot="1" noChangeAspect="1"/>
+          </p:cNvSpPr>
+          <p:nvPr>
+            <p:ph type="sldImg" idx="2"/>
+          </p:nvPr>
+        </p:nvSpPr>
+        <p:spPr>
+          <a:xfrm>
+            <a:off x="685800" y="1143000"/>
+            <a:ext cx="5486400" cy="3086100"/>
+          </a:xfrm>
+          <a:prstGeom prst="rect">
+            <a:avLst/>
+          </a:prstGeom>
+          <a:noFill/>
+          <a:ln w="12700">
+            <a:solidFill>
+              <a:prstClr val="black"/>
+            </a:solidFill>
+          </a:ln>
+        </p:spPr>
+        <p:txBody>
+          <a:bodyPr vert="horz" lIns="91440" tIns="45720" rIns="91440" bIns="45720" rtlCol="0" anchor="ctr"/>
+          <a:lstStyle/>
+          <a:p>
+            <a:endParaRPr lang="en-GB"/>
+          </a:p>
+        </p:txBody>
+      </p:sp>
+      <p:sp>
+        <p:nvSpPr>
+          <p:cNvPr id="5" name="Pladsholder til noter 4"/>
+          <p:cNvSpPr>
+            <a:spLocks noGrp="1"/>
+          </p:cNvSpPr>
+          <p:nvPr>
+            <p:ph type="body" sz="quarter" idx="3"/>
+          </p:nvPr>
+        </p:nvSpPr>
+        <p:spPr>
+          <a:xfrm>
+            <a:off x="685800" y="4400550"/>
+            <a:ext cx="5486400" cy="3600450"/>
+          </a:xfrm>
+          <a:prstGeom prst="rect">
+            <a:avLst/>
+          </a:prstGeom>
+        </p:spPr>
+        <p:txBody>
+          <a:bodyPr vert="horz" lIns="91440" tIns="45720" rIns="91440" bIns="45720" rtlCol="0"/>
+          <a:lstStyle/>
+          <a:p>
+            <a:pPr lvl="0"/>
+            <a:r>
+              <a:rPr lang="da-DK"/>
+              <a:t>Rediger teksttypografien i masteren</a:t>
+            </a:r>
+          </a:p>
+          <a:p>
+            <a:pPr lvl="1"/>
+            <a:r>
+              <a:rPr lang="da-DK"/>
+              <a:t>Andet niveau</a:t>
+            </a:r>
+          </a:p>
+          <a:p>
+            <a:pPr lvl="2"/>
+            <a:r>
+              <a:rPr lang="da-DK"/>
+              <a:t>Tredje niveau</a:t>
+            </a:r>
+          </a:p>
+          <a:p>
+            <a:pPr lvl="3"/>
+            <a:r>
+              <a:rPr lang="da-DK"/>
+              <a:t>Fjerde niveau</a:t>
+            </a:r>
+          </a:p>
+          <a:p>
+            <a:pPr lvl="4"/>
+            <a:r>
+              <a:rPr lang="da-DK"/>
+              <a:t>Femte niveau</a:t>
+            </a:r>
+            <a:endParaRPr lang="en-GB"/>
+          </a:p>
+        </p:txBody>
+      </p:sp>
+      <p:sp>
+        <p:nvSpPr>
+          <p:cNvPr id="6" name="Pladsholder til sidefod 5"/>
+          <p:cNvSpPr>
+            <a:spLocks noGrp="1"/>
+          </p:cNvSpPr>
+          <p:nvPr>
+            <p:ph type="ftr" sz="quarter" idx="4"/>
+          </p:nvPr>
+        </p:nvSpPr>
+        <p:spPr>
+          <a:xfrm>
+            <a:off x="0" y="8685213"/>
+            <a:ext cx="2971800" cy="458787"/>
+          </a:xfrm>
+          <a:prstGeom prst="rect">
+            <a:avLst/>
+          </a:prstGeom>
+        </p:spPr>
+        <p:txBody>
+          <a:bodyPr vert="horz" lIns="91440" tIns="45720" rIns="91440" bIns="45720" rtlCol="0" anchor="b"/>
+          <a:lstStyle>
+            <a:lvl1pPr algn="l">
+              <a:defRPr sz="1200"/>
+            </a:lvl1pPr>
+          </a:lstStyle>
+          <a:p>
+            <a:endParaRPr lang="en-GB"/>
+          </a:p>
+        </p:txBody>
+      </p:sp>
+      <p:sp>
+        <p:nvSpPr>
+          <p:cNvPr id="7" name="Pladsholder til slidenummer 6"/>
+          <p:cNvSpPr>
+            <a:spLocks noGrp="1"/>
+          </p:cNvSpPr>
+          <p:nvPr>
+            <p:ph type="sldNum" sz="quarter" idx="5"/>
+          </p:nvPr>
+        </p:nvSpPr>
+        <p:spPr>
+          <a:xfrm>
+            <a:off x="3884613" y="8685213"/>
+            <a:ext cx="2971800" cy="458787"/>
+          </a:xfrm>
+          <a:prstGeom prst="rect">
+            <a:avLst/>
+          </a:prstGeom>
+        </p:spPr>
+        <p:txBody>
+          <a:bodyPr vert="horz" lIns="91440" tIns="45720" rIns="91440" bIns="45720" rtlCol="0" anchor="b"/>
+          <a:lstStyle>
+            <a:lvl1pPr algn="r">
+              <a:defRPr sz="1200"/>
+            </a:lvl1pPr>
+          </a:lstStyle>
+          <a:p>
+            <a:fld id="{0E08A0B7-E08A-45E0-B3E3-AD112489CC7B}" type="slidenum">
+              <a:rPr lang="en-GB" smtClean="0"/>
+              <a:t>‹nr.›</a:t>
+            </a:fld>
+            <a:endParaRPr lang="en-GB"/>
+          </a:p>
+        </p:txBody>
+      </p:sp>
+    </p:spTree>
+    <p:extLst>
+      <p:ext uri="{BB962C8B-B14F-4D97-AF65-F5344CB8AC3E}">
+        <p14:creationId xmlns:p14="http://schemas.microsoft.com/office/powerpoint/2010/main" val="59554963"/>
+      </p:ext>
+    </p:extLst>
+  </p:cSld>
+  <p:clrMap bg1="lt1" tx1="dk1" bg2="lt2" tx2="dk2" accent1="accent1" accent2="accent2" accent3="accent3" accent4="accent4" accent5="accent5" accent6="accent6" hlink="hlink" folHlink="folHlink"/>
+  <p:notesStyle>
+    <a:lvl1pPr marL="0" algn="l" defTabSz="914400" rtl="0" eaLnBrk="1" latinLnBrk="0" hangingPunct="1">
+      <a:defRPr sz="1200" kern="1200">
+        <a:solidFill>
+          <a:schemeClr val="tx1"/>
+        </a:solidFill>
+        <a:latin typeface="+mn-lt"/>
+        <a:ea typeface="+mn-ea"/>
+        <a:cs typeface="+mn-cs"/>
+      </a:defRPr>
+    </a:lvl1pPr>
+    <a:lvl2pPr marL="457200" algn="l" defTabSz="914400" rtl="0" eaLnBrk="1" latinLnBrk="0" hangingPunct="1">
+      <a:defRPr sz="1200" kern="1200">
+        <a:solidFill>
+          <a:schemeClr val="tx1"/>
+        </a:solidFill>
+        <a:latin typeface="+mn-lt"/>
+        <a:ea typeface="+mn-ea"/>
+        <a:cs typeface="+mn-cs"/>
+      </a:defRPr>
+    </a:lvl2pPr>
+    <a:lvl3pPr marL="914400" algn="l" defTabSz="914400" rtl="0" eaLnBrk="1" latinLnBrk="0" hangingPunct="1">
+      <a:defRPr sz="1200" kern="1200">
+        <a:solidFill>
+          <a:schemeClr val="tx1"/>
+        </a:solidFill>
+        <a:latin typeface="+mn-lt"/>
+        <a:ea typeface="+mn-ea"/>
+        <a:cs typeface="+mn-cs"/>
+      </a:defRPr>
+    </a:lvl3pPr>
+    <a:lvl4pPr marL="1371600" algn="l" defTabSz="914400" rtl="0" eaLnBrk="1" latinLnBrk="0" hangingPunct="1">
+      <a:defRPr sz="1200" kern="1200">
+        <a:solidFill>
+          <a:schemeClr val="tx1"/>
+        </a:solidFill>
+        <a:latin typeface="+mn-lt"/>
+        <a:ea typeface="+mn-ea"/>
+        <a:cs typeface="+mn-cs"/>
+      </a:defRPr>
+    </a:lvl4pPr>
+    <a:lvl5pPr marL="1828800" algn="l" defTabSz="914400" rtl="0" eaLnBrk="1" latinLnBrk="0" hangingPunct="1">
+      <a:defRPr sz="1200" kern="1200">
+        <a:solidFill>
+          <a:schemeClr val="tx1"/>
+        </a:solidFill>
+        <a:latin typeface="+mn-lt"/>
+        <a:ea typeface="+mn-ea"/>
+        <a:cs typeface="+mn-cs"/>
+      </a:defRPr>
+    </a:lvl5pPr>
+    <a:lvl6pPr marL="2286000" algn="l" defTabSz="914400" rtl="0" eaLnBrk="1" latinLnBrk="0" hangingPunct="1">
+      <a:defRPr sz="1200" kern="1200">
+        <a:solidFill>
+          <a:schemeClr val="tx1"/>
+        </a:solidFill>
+        <a:latin typeface="+mn-lt"/>
+        <a:ea typeface="+mn-ea"/>
+        <a:cs typeface="+mn-cs"/>
+      </a:defRPr>
+    </a:lvl6pPr>
+    <a:lvl7pPr marL="2743200" algn="l" defTabSz="914400" rtl="0" eaLnBrk="1" latinLnBrk="0" hangingPunct="1">
+      <a:defRPr sz="1200" kern="1200">
+        <a:solidFill>
+          <a:schemeClr val="tx1"/>
+        </a:solidFill>
+        <a:latin typeface="+mn-lt"/>
+        <a:ea typeface="+mn-ea"/>
+        <a:cs typeface="+mn-cs"/>
+      </a:defRPr>
+    </a:lvl7pPr>
+    <a:lvl8pPr marL="3200400" algn="l" defTabSz="914400" rtl="0" eaLnBrk="1" latinLnBrk="0" hangingPunct="1">
+      <a:defRPr sz="1200" kern="1200">
+        <a:solidFill>
+          <a:schemeClr val="tx1"/>
+        </a:solidFill>
+        <a:latin typeface="+mn-lt"/>
+        <a:ea typeface="+mn-ea"/>
+        <a:cs typeface="+mn-cs"/>
+      </a:defRPr>
+    </a:lvl8pPr>
+    <a:lvl9pPr marL="3657600" algn="l" defTabSz="914400" rtl="0" eaLnBrk="1" latinLnBrk="0" hangingPunct="1">
+      <a:defRPr sz="1200" kern="1200">
+        <a:solidFill>
+          <a:schemeClr val="tx1"/>
+        </a:solidFill>
+        <a:latin typeface="+mn-lt"/>
+        <a:ea typeface="+mn-ea"/>
+        <a:cs typeface="+mn-cs"/>
+      </a:defRPr>
+    </a:lvl9pPr>
+  </p:notesStyle>
+</p:notesMaster>
+</file>
+
+<file path=ppt/notesSlides/notesSlide1.xml><?xml version="1.0" encoding="utf-8"?>
+<p:notes xmlns:a="http://schemas.openxmlformats.org/drawingml/2006/main" xmlns:r="http://schemas.openxmlformats.org/officeDocument/2006/relationships" xmlns:p="http://schemas.openxmlformats.org/presentationml/2006/main">
+  <p:cSld>
+    <p:spTree>
+      <p:nvGrpSpPr>
+        <p:cNvPr id="1" name=""/>
+        <p:cNvGrpSpPr/>
+        <p:nvPr/>
+      </p:nvGrpSpPr>
+      <p:grpSpPr>
+        <a:xfrm>
+          <a:off x="0" y="0"/>
+          <a:ext cx="0" cy="0"/>
+          <a:chOff x="0" y="0"/>
+          <a:chExt cx="0" cy="0"/>
+        </a:xfrm>
+      </p:grpSpPr>
+      <p:sp>
+        <p:nvSpPr>
+          <p:cNvPr id="2" name="Pladsholder til slidebillede 1"/>
+          <p:cNvSpPr>
+            <a:spLocks noGrp="1" noRot="1" noChangeAspect="1"/>
+          </p:cNvSpPr>
+          <p:nvPr>
+            <p:ph type="sldImg"/>
+          </p:nvPr>
+        </p:nvSpPr>
+        <p:spPr/>
+      </p:sp>
+      <p:sp>
+        <p:nvSpPr>
+          <p:cNvPr id="3" name="Pladsholder til noter 2"/>
+          <p:cNvSpPr>
+            <a:spLocks noGrp="1"/>
+          </p:cNvSpPr>
+          <p:nvPr>
+            <p:ph type="body" idx="1"/>
+          </p:nvPr>
+        </p:nvSpPr>
+        <p:spPr/>
+        <p:txBody>
+          <a:bodyPr/>
+          <a:lstStyle/>
+          <a:p>
+            <a:endParaRPr lang="en-GB" dirty="0"/>
+          </a:p>
+        </p:txBody>
+      </p:sp>
+      <p:sp>
+        <p:nvSpPr>
+          <p:cNvPr id="4" name="Pladsholder til slidenummer 3"/>
+          <p:cNvSpPr>
+            <a:spLocks noGrp="1"/>
+          </p:cNvSpPr>
+          <p:nvPr>
+            <p:ph type="sldNum" sz="quarter" idx="5"/>
+          </p:nvPr>
+        </p:nvSpPr>
+        <p:spPr/>
+        <p:txBody>
+          <a:bodyPr/>
+          <a:lstStyle/>
+          <a:p>
+            <a:fld id="{0E08A0B7-E08A-45E0-B3E3-AD112489CC7B}" type="slidenum">
+              <a:rPr lang="en-GB" smtClean="0"/>
+              <a:t>3</a:t>
+            </a:fld>
+            <a:endParaRPr lang="en-GB"/>
+          </a:p>
+        </p:txBody>
+      </p:sp>
+    </p:spTree>
+    <p:extLst>
+      <p:ext uri="{BB962C8B-B14F-4D97-AF65-F5344CB8AC3E}">
+        <p14:creationId xmlns:p14="http://schemas.microsoft.com/office/powerpoint/2010/main" val="1274078842"/>
+      </p:ext>
+    </p:extLst>
+  </p:cSld>
+  <p:clrMapOvr>
+    <a:masterClrMapping/>
+  </p:clrMapOvr>
+</p:notes>
+</file>
+
+<file path=ppt/notesSlides/notesSlide2.xml><?xml version="1.0" encoding="utf-8"?>
+<p:notes xmlns:a="http://schemas.openxmlformats.org/drawingml/2006/main" xmlns:r="http://schemas.openxmlformats.org/officeDocument/2006/relationships" xmlns:p="http://schemas.openxmlformats.org/presentationml/2006/main">
+  <p:cSld>
+    <p:spTree>
+      <p:nvGrpSpPr>
+        <p:cNvPr id="1" name=""/>
+        <p:cNvGrpSpPr/>
+        <p:nvPr/>
+      </p:nvGrpSpPr>
+      <p:grpSpPr>
+        <a:xfrm>
+          <a:off x="0" y="0"/>
+          <a:ext cx="0" cy="0"/>
+          <a:chOff x="0" y="0"/>
+          <a:chExt cx="0" cy="0"/>
+        </a:xfrm>
+      </p:grpSpPr>
+      <p:sp>
+        <p:nvSpPr>
+          <p:cNvPr id="2" name="Pladsholder til slidebillede 1"/>
+          <p:cNvSpPr>
+            <a:spLocks noGrp="1" noRot="1" noChangeAspect="1"/>
+          </p:cNvSpPr>
+          <p:nvPr>
+            <p:ph type="sldImg"/>
+          </p:nvPr>
+        </p:nvSpPr>
+        <p:spPr/>
+      </p:sp>
+      <p:sp>
+        <p:nvSpPr>
+          <p:cNvPr id="3" name="Pladsholder til noter 2"/>
+          <p:cNvSpPr>
+            <a:spLocks noGrp="1"/>
+          </p:cNvSpPr>
+          <p:nvPr>
+            <p:ph type="body" idx="1"/>
+          </p:nvPr>
+        </p:nvSpPr>
+        <p:spPr/>
+        <p:txBody>
+          <a:bodyPr/>
+          <a:lstStyle/>
+          <a:p>
+            <a:endParaRPr lang="en-GB" dirty="0"/>
+          </a:p>
+        </p:txBody>
+      </p:sp>
+      <p:sp>
+        <p:nvSpPr>
+          <p:cNvPr id="4" name="Pladsholder til slidenummer 3"/>
+          <p:cNvSpPr>
+            <a:spLocks noGrp="1"/>
+          </p:cNvSpPr>
+          <p:nvPr>
+            <p:ph type="sldNum" sz="quarter" idx="5"/>
+          </p:nvPr>
+        </p:nvSpPr>
+        <p:spPr/>
+        <p:txBody>
+          <a:bodyPr/>
+          <a:lstStyle/>
+          <a:p>
+            <a:fld id="{0E08A0B7-E08A-45E0-B3E3-AD112489CC7B}" type="slidenum">
+              <a:rPr lang="en-GB" smtClean="0"/>
+              <a:t>4</a:t>
+            </a:fld>
+            <a:endParaRPr lang="en-GB"/>
+          </a:p>
+        </p:txBody>
+      </p:sp>
+    </p:spTree>
+    <p:extLst>
+      <p:ext uri="{BB962C8B-B14F-4D97-AF65-F5344CB8AC3E}">
+        <p14:creationId xmlns:p14="http://schemas.microsoft.com/office/powerpoint/2010/main" val="4247078161"/>
+      </p:ext>
+    </p:extLst>
+  </p:cSld>
+  <p:clrMapOvr>
+    <a:masterClrMapping/>
+  </p:clrMapOvr>
+</p:notes>
+</file>
+
+<file path=ppt/notesSlides/notesSlide3.xml><?xml version="1.0" encoding="utf-8"?>
+<p:notes xmlns:a="http://schemas.openxmlformats.org/drawingml/2006/main" xmlns:r="http://schemas.openxmlformats.org/officeDocument/2006/relationships" xmlns:p="http://schemas.openxmlformats.org/presentationml/2006/main">
+  <p:cSld>
+    <p:spTree>
+      <p:nvGrpSpPr>
+        <p:cNvPr id="1" name=""/>
+        <p:cNvGrpSpPr/>
+        <p:nvPr/>
+      </p:nvGrpSpPr>
+      <p:grpSpPr>
+        <a:xfrm>
+          <a:off x="0" y="0"/>
+          <a:ext cx="0" cy="0"/>
+          <a:chOff x="0" y="0"/>
+          <a:chExt cx="0" cy="0"/>
+        </a:xfrm>
+      </p:grpSpPr>
+      <p:sp>
+        <p:nvSpPr>
+          <p:cNvPr id="2" name="Pladsholder til slidebillede 1"/>
+          <p:cNvSpPr>
+            <a:spLocks noGrp="1" noRot="1" noChangeAspect="1"/>
+          </p:cNvSpPr>
+          <p:nvPr>
+            <p:ph type="sldImg"/>
+          </p:nvPr>
+        </p:nvSpPr>
+        <p:spPr/>
+      </p:sp>
+      <p:sp>
+        <p:nvSpPr>
+          <p:cNvPr id="3" name="Pladsholder til noter 2"/>
+          <p:cNvSpPr>
+            <a:spLocks noGrp="1"/>
+          </p:cNvSpPr>
+          <p:nvPr>
+            <p:ph type="body" idx="1"/>
+          </p:nvPr>
+        </p:nvSpPr>
+        <p:spPr/>
+        <p:txBody>
+          <a:bodyPr/>
+          <a:lstStyle/>
+          <a:p>
+            <a:r>
+              <a:rPr lang="da-DK" dirty="0"/>
+              <a:t>Hvis man ikke vil nedarve alle metoderne fra en interface skal man lave klassen abstract</a:t>
+            </a:r>
+            <a:endParaRPr lang="en-GB" dirty="0"/>
+          </a:p>
+        </p:txBody>
+      </p:sp>
+      <p:sp>
+        <p:nvSpPr>
+          <p:cNvPr id="4" name="Pladsholder til slidenummer 3"/>
+          <p:cNvSpPr>
+            <a:spLocks noGrp="1"/>
+          </p:cNvSpPr>
+          <p:nvPr>
+            <p:ph type="sldNum" sz="quarter" idx="5"/>
+          </p:nvPr>
+        </p:nvSpPr>
+        <p:spPr/>
+        <p:txBody>
+          <a:bodyPr/>
+          <a:lstStyle/>
+          <a:p>
+            <a:fld id="{0E08A0B7-E08A-45E0-B3E3-AD112489CC7B}" type="slidenum">
+              <a:rPr lang="en-GB" smtClean="0"/>
+              <a:t>6</a:t>
+            </a:fld>
+            <a:endParaRPr lang="en-GB"/>
+          </a:p>
+        </p:txBody>
+      </p:sp>
+    </p:spTree>
+    <p:extLst>
+      <p:ext uri="{BB962C8B-B14F-4D97-AF65-F5344CB8AC3E}">
+        <p14:creationId xmlns:p14="http://schemas.microsoft.com/office/powerpoint/2010/main" val="1071601952"/>
+      </p:ext>
+    </p:extLst>
+  </p:cSld>
+  <p:clrMapOvr>
+    <a:masterClrMapping/>
+  </p:clrMapOvr>
+</p:notes>
 </file>
 
 <file path=ppt/slideLayouts/slideLayout1.xml><?xml version="1.0" encoding="utf-8"?>
@@ -277,7 +889,7 @@
           <a:p>
             <a:fld id="{1160EA64-D806-43AC-9DF2-F8C432F32B4C}" type="datetimeFigureOut">
               <a:rPr lang="en-US" dirty="0"/>
-              <a:t>1/5/19</a:t>
+              <a:t>1/8/2019</a:t>
             </a:fld>
             <a:endParaRPr lang="en-US" dirty="0"/>
           </a:p>
@@ -443,7 +1055,7 @@
           <a:p>
             <a:fld id="{E9F9C37B-1D36-470B-8223-D6C91242EC14}" type="datetimeFigureOut">
               <a:rPr lang="en-US" dirty="0"/>
-              <a:t>1/5/19</a:t>
+              <a:t>1/8/2019</a:t>
             </a:fld>
             <a:endParaRPr lang="en-US" dirty="0"/>
           </a:p>
@@ -618,7 +1230,7 @@
           <a:p>
             <a:fld id="{67C6F52A-A82B-47A2-A83A-8C4C91F2D59F}" type="datetimeFigureOut">
               <a:rPr lang="en-US" dirty="0"/>
-              <a:t>1/5/19</a:t>
+              <a:t>1/8/2019</a:t>
             </a:fld>
             <a:endParaRPr lang="en-US" dirty="0"/>
           </a:p>
@@ -783,7 +1395,7 @@
           <a:p>
             <a:fld id="{F070A7B3-6521-4DCA-87E5-044747A908C1}" type="datetimeFigureOut">
               <a:rPr lang="en-US" dirty="0"/>
-              <a:t>1/5/19</a:t>
+              <a:t>1/8/2019</a:t>
             </a:fld>
             <a:endParaRPr lang="en-US" dirty="0"/>
           </a:p>
@@ -1047,7 +1659,7 @@
           <a:p>
             <a:fld id="{1160EA64-D806-43AC-9DF2-F8C432F32B4C}" type="datetimeFigureOut">
               <a:rPr lang="en-US" dirty="0"/>
-              <a:t>1/5/19</a:t>
+              <a:t>1/8/2019</a:t>
             </a:fld>
             <a:endParaRPr lang="en-US" dirty="0"/>
           </a:p>
@@ -1275,7 +1887,7 @@
           <a:p>
             <a:fld id="{AB134690-1557-4C89-A502-4959FE7FAD70}" type="datetimeFigureOut">
               <a:rPr lang="en-US" dirty="0"/>
-              <a:t>1/5/19</a:t>
+              <a:t>1/8/2019</a:t>
             </a:fld>
             <a:endParaRPr lang="en-US" dirty="0"/>
           </a:p>
@@ -1629,7 +2241,7 @@
           <a:p>
             <a:fld id="{4F7D4976-E339-4826-83B7-FBD03F55ECF8}" type="datetimeFigureOut">
               <a:rPr lang="en-US" dirty="0"/>
-              <a:t>1/5/19</a:t>
+              <a:t>1/8/2019</a:t>
             </a:fld>
             <a:endParaRPr lang="en-US" dirty="0"/>
           </a:p>
@@ -1765,7 +2377,7 @@
           <a:p>
             <a:fld id="{E1037C31-9E7A-4F99-8774-A0E530DE1A42}" type="datetimeFigureOut">
               <a:rPr lang="en-US" dirty="0"/>
-              <a:t>1/5/19</a:t>
+              <a:t>1/8/2019</a:t>
             </a:fld>
             <a:endParaRPr lang="en-US" dirty="0"/>
           </a:p>
@@ -1855,7 +2467,7 @@
           <a:p>
             <a:fld id="{C278504F-A551-4DE0-9316-4DCD1D8CC752}" type="datetimeFigureOut">
               <a:rPr lang="en-US" dirty="0"/>
-              <a:t>1/5/19</a:t>
+              <a:t>1/8/2019</a:t>
             </a:fld>
             <a:endParaRPr lang="en-US" dirty="0"/>
           </a:p>
@@ -2207,7 +2819,7 @@
           <a:p>
             <a:fld id="{D1BE4249-C0D0-4B06-8692-E8BB871AF643}" type="datetimeFigureOut">
               <a:rPr lang="en-US" dirty="0"/>
-              <a:t>1/5/19</a:t>
+              <a:t>1/8/2019</a:t>
             </a:fld>
             <a:endParaRPr lang="en-US" dirty="0"/>
           </a:p>
@@ -2559,7 +3171,7 @@
           <a:p>
             <a:fld id="{042B0DB6-F5C7-45FB-8CF3-31B45F9C2DAC}" type="datetimeFigureOut">
               <a:rPr lang="en-US" dirty="0"/>
-              <a:t>1/5/19</a:t>
+              <a:t>1/8/2019</a:t>
             </a:fld>
             <a:endParaRPr lang="en-US" dirty="0"/>
           </a:p>
@@ -2795,7 +3407,7 @@
           <a:p>
             <a:fld id="{1160EA64-D806-43AC-9DF2-F8C432F32B4C}" type="datetimeFigureOut">
               <a:rPr lang="en-US" dirty="0"/>
-              <a:t>1/5/19</a:t>
+              <a:t>1/8/2019</a:t>
             </a:fld>
             <a:endParaRPr lang="en-US" dirty="0"/>
           </a:p>
@@ -3383,32 +3995,23 @@
           <a:lstStyle/>
           <a:p>
             <a:r>
-              <a:rPr lang="da-DK" dirty="0"/>
-              <a:t>Stabilitet i koden</a:t>
-            </a:r>
-          </a:p>
-          <a:p>
-            <a:r>
-              <a:rPr lang="da-DK" dirty="0"/>
-              <a:t>Identificere bugs i </a:t>
-            </a:r>
-            <a:r>
               <a:rPr lang="da-DK" dirty="0" err="1"/>
-              <a:t>compile</a:t>
+              <a:t>Compile</a:t>
             </a:r>
             <a:r>
               <a:rPr lang="da-DK" dirty="0"/>
               <a:t>-time </a:t>
             </a:r>
-          </a:p>
-          <a:p>
-            <a:r>
-              <a:rPr lang="da-DK" dirty="0"/>
-              <a:t>Minus </a:t>
-            </a:r>
             <a:r>
               <a:rPr lang="da-DK" dirty="0" err="1"/>
-              <a:t>run-time</a:t>
+              <a:t>error</a:t>
+            </a:r>
+            <a:endParaRPr lang="da-DK" dirty="0"/>
+          </a:p>
+          <a:p>
+            <a:r>
+              <a:rPr lang="da-DK" dirty="0" err="1"/>
+              <a:t>Run-time</a:t>
             </a:r>
             <a:r>
               <a:rPr lang="da-DK" dirty="0"/>
@@ -3675,295 +4278,7 @@
                   <a:schemeClr val="bg1"/>
                 </a:solidFill>
               </a:rPr>
-              <a:t>Her </a:t>
-            </a:r>
-            <a:r>
-              <a:rPr lang="en-US" dirty="0" err="1">
-                <a:solidFill>
-                  <a:schemeClr val="bg1"/>
-                </a:solidFill>
-              </a:rPr>
-              <a:t>ser</a:t>
-            </a:r>
-            <a:r>
-              <a:rPr lang="en-US" dirty="0">
-                <a:solidFill>
-                  <a:schemeClr val="bg1"/>
-                </a:solidFill>
-              </a:rPr>
-              <a:t> vi et </a:t>
-            </a:r>
-            <a:r>
-              <a:rPr lang="en-US" dirty="0" err="1">
-                <a:solidFill>
-                  <a:schemeClr val="bg1"/>
-                </a:solidFill>
-              </a:rPr>
-              <a:t>eksempel</a:t>
-            </a:r>
-            <a:r>
-              <a:rPr lang="en-US" dirty="0">
-                <a:solidFill>
-                  <a:schemeClr val="bg1"/>
-                </a:solidFill>
-              </a:rPr>
-              <a:t> </a:t>
-            </a:r>
-            <a:r>
-              <a:rPr lang="en-US" dirty="0" err="1">
-                <a:solidFill>
-                  <a:schemeClr val="bg1"/>
-                </a:solidFill>
-              </a:rPr>
-              <a:t>på</a:t>
-            </a:r>
-            <a:r>
-              <a:rPr lang="en-US" dirty="0">
-                <a:solidFill>
-                  <a:schemeClr val="bg1"/>
-                </a:solidFill>
-              </a:rPr>
-              <a:t> </a:t>
-            </a:r>
-            <a:r>
-              <a:rPr lang="en-US" dirty="0" err="1">
-                <a:solidFill>
-                  <a:schemeClr val="bg1"/>
-                </a:solidFill>
-              </a:rPr>
-              <a:t>en</a:t>
-            </a:r>
-            <a:r>
-              <a:rPr lang="en-US" dirty="0">
-                <a:solidFill>
-                  <a:schemeClr val="bg1"/>
-                </a:solidFill>
-              </a:rPr>
-              <a:t> </a:t>
-            </a:r>
-            <a:r>
-              <a:rPr lang="en-US" dirty="0" err="1">
-                <a:solidFill>
-                  <a:schemeClr val="bg1"/>
-                </a:solidFill>
-              </a:rPr>
-              <a:t>ArrayList</a:t>
-            </a:r>
-            <a:r>
-              <a:rPr lang="en-US" dirty="0">
-                <a:solidFill>
-                  <a:schemeClr val="bg1"/>
-                </a:solidFill>
-              </a:rPr>
-              <a:t> </a:t>
-            </a:r>
-            <a:r>
-              <a:rPr lang="en-US" dirty="0" err="1">
-                <a:solidFill>
-                  <a:schemeClr val="bg1"/>
-                </a:solidFill>
-              </a:rPr>
-              <a:t>uden</a:t>
-            </a:r>
-            <a:r>
-              <a:rPr lang="en-US" dirty="0">
-                <a:solidFill>
-                  <a:schemeClr val="bg1"/>
-                </a:solidFill>
-              </a:rPr>
-              <a:t> generics. </a:t>
-            </a:r>
-            <a:r>
-              <a:rPr lang="en-US" dirty="0" err="1">
-                <a:solidFill>
-                  <a:schemeClr val="bg1"/>
-                </a:solidFill>
-              </a:rPr>
-              <a:t>Vores</a:t>
-            </a:r>
-            <a:r>
-              <a:rPr lang="en-US" dirty="0">
-                <a:solidFill>
-                  <a:schemeClr val="bg1"/>
-                </a:solidFill>
-              </a:rPr>
-              <a:t> for each loop traverser </a:t>
-            </a:r>
-            <a:r>
-              <a:rPr lang="en-US" dirty="0" err="1">
-                <a:solidFill>
-                  <a:schemeClr val="bg1"/>
-                </a:solidFill>
-              </a:rPr>
-              <a:t>hvert</a:t>
-            </a:r>
-            <a:r>
-              <a:rPr lang="en-US" dirty="0">
-                <a:solidFill>
-                  <a:schemeClr val="bg1"/>
-                </a:solidFill>
-              </a:rPr>
-              <a:t> index I runtime, </a:t>
-            </a:r>
-            <a:r>
-              <a:rPr lang="en-US" dirty="0" err="1">
-                <a:solidFill>
-                  <a:schemeClr val="bg1"/>
-                </a:solidFill>
-              </a:rPr>
-              <a:t>indtil</a:t>
-            </a:r>
-            <a:r>
-              <a:rPr lang="en-US" dirty="0">
-                <a:solidFill>
-                  <a:schemeClr val="bg1"/>
-                </a:solidFill>
-              </a:rPr>
-              <a:t> </a:t>
-            </a:r>
-            <a:r>
-              <a:rPr lang="en-US" dirty="0" err="1">
-                <a:solidFill>
-                  <a:schemeClr val="bg1"/>
-                </a:solidFill>
-              </a:rPr>
-              <a:t>det</a:t>
-            </a:r>
-            <a:r>
-              <a:rPr lang="en-US" dirty="0">
-                <a:solidFill>
-                  <a:schemeClr val="bg1"/>
-                </a:solidFill>
-              </a:rPr>
-              <a:t> rammer </a:t>
-            </a:r>
-            <a:r>
-              <a:rPr lang="en-US" dirty="0" err="1">
-                <a:solidFill>
-                  <a:schemeClr val="bg1"/>
-                </a:solidFill>
-              </a:rPr>
-              <a:t>vores</a:t>
-            </a:r>
-            <a:r>
-              <a:rPr lang="en-US" dirty="0">
-                <a:solidFill>
-                  <a:schemeClr val="bg1"/>
-                </a:solidFill>
-              </a:rPr>
-              <a:t> String, </a:t>
-            </a:r>
-            <a:r>
-              <a:rPr lang="en-US" dirty="0" err="1">
-                <a:solidFill>
-                  <a:schemeClr val="bg1"/>
-                </a:solidFill>
-              </a:rPr>
-              <a:t>hvor</a:t>
-            </a:r>
-            <a:r>
-              <a:rPr lang="en-US" dirty="0">
-                <a:solidFill>
-                  <a:schemeClr val="bg1"/>
-                </a:solidFill>
-              </a:rPr>
-              <a:t> vi </a:t>
-            </a:r>
-            <a:r>
-              <a:rPr lang="en-US" dirty="0" err="1">
-                <a:solidFill>
-                  <a:schemeClr val="bg1"/>
-                </a:solidFill>
-              </a:rPr>
-              <a:t>får</a:t>
-            </a:r>
-            <a:r>
-              <a:rPr lang="en-US" dirty="0">
-                <a:solidFill>
-                  <a:schemeClr val="bg1"/>
-                </a:solidFill>
-              </a:rPr>
-              <a:t> et runtime error, </a:t>
-            </a:r>
-            <a:r>
-              <a:rPr lang="en-US" dirty="0" err="1">
-                <a:solidFill>
-                  <a:schemeClr val="bg1"/>
-                </a:solidFill>
-              </a:rPr>
-              <a:t>som</a:t>
-            </a:r>
-            <a:r>
-              <a:rPr lang="en-US" dirty="0">
-                <a:solidFill>
-                  <a:schemeClr val="bg1"/>
-                </a:solidFill>
-              </a:rPr>
-              <a:t> vises </a:t>
-            </a:r>
-            <a:r>
-              <a:rPr lang="en-US" dirty="0" err="1">
-                <a:solidFill>
-                  <a:schemeClr val="bg1"/>
-                </a:solidFill>
-              </a:rPr>
-              <a:t>nederst</a:t>
-            </a:r>
-            <a:r>
-              <a:rPr lang="en-US" dirty="0">
-                <a:solidFill>
-                  <a:schemeClr val="bg1"/>
-                </a:solidFill>
-              </a:rPr>
-              <a:t> </a:t>
-            </a:r>
-            <a:r>
-              <a:rPr lang="en-US" dirty="0" err="1">
-                <a:solidFill>
-                  <a:schemeClr val="bg1"/>
-                </a:solidFill>
-              </a:rPr>
-              <a:t>på</a:t>
-            </a:r>
-            <a:r>
-              <a:rPr lang="en-US" dirty="0">
-                <a:solidFill>
-                  <a:schemeClr val="bg1"/>
-                </a:solidFill>
-              </a:rPr>
-              <a:t> </a:t>
-            </a:r>
-            <a:r>
-              <a:rPr lang="en-US" dirty="0" err="1">
-                <a:solidFill>
-                  <a:schemeClr val="bg1"/>
-                </a:solidFill>
-              </a:rPr>
-              <a:t>vores</a:t>
-            </a:r>
-            <a:r>
-              <a:rPr lang="en-US" dirty="0">
-                <a:solidFill>
-                  <a:schemeClr val="bg1"/>
-                </a:solidFill>
-              </a:rPr>
-              <a:t> </a:t>
-            </a:r>
-            <a:r>
-              <a:rPr lang="en-US" dirty="0" err="1">
-                <a:solidFill>
-                  <a:schemeClr val="bg1"/>
-                </a:solidFill>
-              </a:rPr>
-              <a:t>eksempel</a:t>
-            </a:r>
-            <a:r>
-              <a:rPr lang="en-US" dirty="0">
-                <a:solidFill>
-                  <a:schemeClr val="bg1"/>
-                </a:solidFill>
-              </a:rPr>
-              <a:t>.</a:t>
+              <a:t>Run-time error</a:t>
             </a:r>
           </a:p>
         </p:txBody>
@@ -3982,16 +4297,15 @@
           </p:cNvPicPr>
           <p:nvPr/>
         </p:nvPicPr>
-        <p:blipFill>
-          <a:blip r:embed="rId2"/>
-          <a:stretch>
-            <a:fillRect/>
-          </a:stretch>
+        <p:blipFill rotWithShape="1">
+          <a:blip r:embed="rId3"/>
+          <a:srcRect b="60674"/>
+          <a:stretch/>
         </p:blipFill>
         <p:spPr>
           <a:xfrm>
             <a:off x="4854850" y="171451"/>
-            <a:ext cx="7203800" cy="6272212"/>
+            <a:ext cx="7203800" cy="2466593"/>
           </a:xfrm>
           <a:prstGeom prst="rect">
             <a:avLst/>
@@ -4246,306 +4560,12 @@
           <a:lstStyle/>
           <a:p>
             <a:r>
-              <a:rPr lang="en-US" dirty="0" err="1">
-                <a:solidFill>
-                  <a:schemeClr val="bg1"/>
-                </a:solidFill>
-              </a:rPr>
-              <a:t>Hvis</a:t>
-            </a:r>
-            <a:r>
               <a:rPr lang="en-US" dirty="0">
                 <a:solidFill>
                   <a:schemeClr val="bg1"/>
                 </a:solidFill>
               </a:rPr>
-              <a:t> vi </a:t>
-            </a:r>
-            <a:r>
-              <a:rPr lang="en-US" dirty="0" err="1">
-                <a:solidFill>
-                  <a:schemeClr val="bg1"/>
-                </a:solidFill>
-              </a:rPr>
-              <a:t>tager</a:t>
-            </a:r>
-            <a:r>
-              <a:rPr lang="en-US" dirty="0">
-                <a:solidFill>
-                  <a:schemeClr val="bg1"/>
-                </a:solidFill>
-              </a:rPr>
-              <a:t> </a:t>
-            </a:r>
-            <a:r>
-              <a:rPr lang="en-US" dirty="0" err="1">
-                <a:solidFill>
-                  <a:schemeClr val="bg1"/>
-                </a:solidFill>
-              </a:rPr>
-              <a:t>udgangspunkt</a:t>
-            </a:r>
-            <a:r>
-              <a:rPr lang="en-US" dirty="0">
-                <a:solidFill>
-                  <a:schemeClr val="bg1"/>
-                </a:solidFill>
-              </a:rPr>
-              <a:t> I </a:t>
-            </a:r>
-            <a:r>
-              <a:rPr lang="en-US" dirty="0" err="1">
-                <a:solidFill>
-                  <a:schemeClr val="bg1"/>
-                </a:solidFill>
-              </a:rPr>
-              <a:t>det</a:t>
-            </a:r>
-            <a:r>
-              <a:rPr lang="en-US" dirty="0">
-                <a:solidFill>
-                  <a:schemeClr val="bg1"/>
-                </a:solidFill>
-              </a:rPr>
-              <a:t> </a:t>
-            </a:r>
-            <a:r>
-              <a:rPr lang="en-US" dirty="0" err="1">
-                <a:solidFill>
-                  <a:schemeClr val="bg1"/>
-                </a:solidFill>
-              </a:rPr>
-              <a:t>samme</a:t>
-            </a:r>
-            <a:r>
-              <a:rPr lang="en-US" dirty="0">
-                <a:solidFill>
-                  <a:schemeClr val="bg1"/>
-                </a:solidFill>
-              </a:rPr>
-              <a:t> </a:t>
-            </a:r>
-            <a:r>
-              <a:rPr lang="en-US" dirty="0" err="1">
-                <a:solidFill>
-                  <a:schemeClr val="bg1"/>
-                </a:solidFill>
-              </a:rPr>
-              <a:t>stykke</a:t>
-            </a:r>
-            <a:r>
-              <a:rPr lang="en-US" dirty="0">
-                <a:solidFill>
-                  <a:schemeClr val="bg1"/>
-                </a:solidFill>
-              </a:rPr>
-              <a:t> </a:t>
-            </a:r>
-            <a:r>
-              <a:rPr lang="en-US" dirty="0" err="1">
-                <a:solidFill>
-                  <a:schemeClr val="bg1"/>
-                </a:solidFill>
-              </a:rPr>
-              <a:t>kode</a:t>
-            </a:r>
-            <a:r>
-              <a:rPr lang="en-US" dirty="0">
-                <a:solidFill>
-                  <a:schemeClr val="bg1"/>
-                </a:solidFill>
-              </a:rPr>
-              <a:t> blot med generics </a:t>
-            </a:r>
-            <a:r>
-              <a:rPr lang="en-US" dirty="0" err="1">
-                <a:solidFill>
-                  <a:schemeClr val="bg1"/>
-                </a:solidFill>
-              </a:rPr>
-              <a:t>denne</a:t>
-            </a:r>
-            <a:r>
-              <a:rPr lang="en-US" dirty="0">
-                <a:solidFill>
-                  <a:schemeClr val="bg1"/>
-                </a:solidFill>
-              </a:rPr>
-              <a:t> gang (note: &lt;Integer&gt; </a:t>
-            </a:r>
-            <a:r>
-              <a:rPr lang="en-US" dirty="0" err="1">
-                <a:solidFill>
-                  <a:schemeClr val="bg1"/>
-                </a:solidFill>
-              </a:rPr>
-              <a:t>fungerer</a:t>
-            </a:r>
-            <a:r>
-              <a:rPr lang="en-US" dirty="0">
-                <a:solidFill>
-                  <a:schemeClr val="bg1"/>
-                </a:solidFill>
-              </a:rPr>
-              <a:t> </a:t>
-            </a:r>
-            <a:r>
-              <a:rPr lang="en-US" dirty="0" err="1">
-                <a:solidFill>
-                  <a:schemeClr val="bg1"/>
-                </a:solidFill>
-              </a:rPr>
-              <a:t>som</a:t>
-            </a:r>
-            <a:r>
-              <a:rPr lang="en-US" dirty="0">
-                <a:solidFill>
-                  <a:schemeClr val="bg1"/>
-                </a:solidFill>
-              </a:rPr>
-              <a:t> </a:t>
-            </a:r>
-            <a:r>
-              <a:rPr lang="en-US" dirty="0" err="1">
-                <a:solidFill>
-                  <a:schemeClr val="bg1"/>
-                </a:solidFill>
-              </a:rPr>
-              <a:t>en</a:t>
-            </a:r>
-            <a:r>
-              <a:rPr lang="en-US" dirty="0">
-                <a:solidFill>
-                  <a:schemeClr val="bg1"/>
-                </a:solidFill>
-              </a:rPr>
-              <a:t> slags parameter), </a:t>
-            </a:r>
-            <a:r>
-              <a:rPr lang="en-US" dirty="0" err="1">
-                <a:solidFill>
-                  <a:schemeClr val="bg1"/>
-                </a:solidFill>
-              </a:rPr>
-              <a:t>så</a:t>
-            </a:r>
-            <a:r>
-              <a:rPr lang="en-US" dirty="0">
-                <a:solidFill>
-                  <a:schemeClr val="bg1"/>
-                </a:solidFill>
-              </a:rPr>
-              <a:t> </a:t>
-            </a:r>
-            <a:r>
-              <a:rPr lang="en-US" dirty="0" err="1">
-                <a:solidFill>
-                  <a:schemeClr val="bg1"/>
-                </a:solidFill>
-              </a:rPr>
-              <a:t>vil</a:t>
-            </a:r>
-            <a:r>
-              <a:rPr lang="en-US" dirty="0">
-                <a:solidFill>
-                  <a:schemeClr val="bg1"/>
-                </a:solidFill>
-              </a:rPr>
-              <a:t> vi </a:t>
-            </a:r>
-            <a:r>
-              <a:rPr lang="en-US" dirty="0" err="1">
-                <a:solidFill>
-                  <a:schemeClr val="bg1"/>
-                </a:solidFill>
-              </a:rPr>
-              <a:t>få</a:t>
-            </a:r>
-            <a:r>
-              <a:rPr lang="en-US" dirty="0">
-                <a:solidFill>
-                  <a:schemeClr val="bg1"/>
-                </a:solidFill>
-              </a:rPr>
-              <a:t> </a:t>
-            </a:r>
-            <a:r>
-              <a:rPr lang="en-US" dirty="0" err="1">
-                <a:solidFill>
-                  <a:schemeClr val="bg1"/>
-                </a:solidFill>
-              </a:rPr>
-              <a:t>en</a:t>
-            </a:r>
-            <a:r>
-              <a:rPr lang="en-US" dirty="0">
-                <a:solidFill>
-                  <a:schemeClr val="bg1"/>
-                </a:solidFill>
-              </a:rPr>
-              <a:t> compile-time error. </a:t>
-            </a:r>
-            <a:br>
-              <a:rPr lang="en-US" dirty="0">
-                <a:solidFill>
-                  <a:schemeClr val="bg1"/>
-                </a:solidFill>
-              </a:rPr>
-            </a:br>
-            <a:br>
-              <a:rPr lang="en-US" dirty="0">
-                <a:solidFill>
-                  <a:schemeClr val="bg1"/>
-                </a:solidFill>
-              </a:rPr>
-            </a:br>
-            <a:r>
-              <a:rPr lang="en-US" dirty="0" err="1">
-                <a:solidFill>
-                  <a:schemeClr val="bg1"/>
-                </a:solidFill>
-              </a:rPr>
-              <a:t>Hellere</a:t>
-            </a:r>
-            <a:r>
-              <a:rPr lang="en-US" dirty="0">
-                <a:solidFill>
-                  <a:schemeClr val="bg1"/>
-                </a:solidFill>
-              </a:rPr>
-              <a:t> at vi finder </a:t>
-            </a:r>
-            <a:r>
-              <a:rPr lang="en-US" dirty="0" err="1">
-                <a:solidFill>
-                  <a:schemeClr val="bg1"/>
-                </a:solidFill>
-              </a:rPr>
-              <a:t>fejlen</a:t>
-            </a:r>
-            <a:r>
-              <a:rPr lang="en-US" dirty="0">
-                <a:solidFill>
-                  <a:schemeClr val="bg1"/>
-                </a:solidFill>
-              </a:rPr>
-              <a:t> end </a:t>
-            </a:r>
-            <a:r>
-              <a:rPr lang="en-US" dirty="0" err="1">
-                <a:solidFill>
-                  <a:schemeClr val="bg1"/>
-                </a:solidFill>
-              </a:rPr>
-              <a:t>brugeren</a:t>
-            </a:r>
-            <a:r>
-              <a:rPr lang="en-US" dirty="0">
-                <a:solidFill>
-                  <a:schemeClr val="bg1"/>
-                </a:solidFill>
-              </a:rPr>
-              <a:t>.</a:t>
+              <a:t>Compile-time error</a:t>
             </a:r>
           </a:p>
         </p:txBody>
@@ -4564,16 +4584,15 @@
           </p:cNvPicPr>
           <p:nvPr/>
         </p:nvPicPr>
-        <p:blipFill>
-          <a:blip r:embed="rId2"/>
-          <a:stretch>
-            <a:fillRect/>
-          </a:stretch>
+        <p:blipFill rotWithShape="1">
+          <a:blip r:embed="rId3"/>
+          <a:srcRect b="49523"/>
+          <a:stretch/>
         </p:blipFill>
         <p:spPr>
           <a:xfrm>
             <a:off x="4840720" y="643467"/>
-            <a:ext cx="7164855" cy="5212676"/>
+            <a:ext cx="7164855" cy="2631179"/>
           </a:xfrm>
           <a:prstGeom prst="rect">
             <a:avLst/>
@@ -4667,940 +4686,17 @@
           <a:p>
             <a:r>
               <a:rPr lang="da-DK" dirty="0"/>
-              <a:t>Klasser implementerer interfaces – nedarver derfor de abstrakte metoder</a:t>
-            </a:r>
-          </a:p>
-          <a:p>
-            <a:r>
-              <a:rPr lang="da-DK" dirty="0"/>
-              <a:t>Klassen som implementerer skal være abstrakt, hvis metoderne fra interfaces ikke ønsker, at skulle defineres.</a:t>
-            </a:r>
-          </a:p>
-        </p:txBody>
-      </p:sp>
-    </p:spTree>
-    <p:extLst>
-      <p:ext uri="{BB962C8B-B14F-4D97-AF65-F5344CB8AC3E}">
-        <p14:creationId xmlns:p14="http://schemas.microsoft.com/office/powerpoint/2010/main" val="110408121"/>
-      </p:ext>
-    </p:extLst>
-  </p:cSld>
-  <p:clrMapOvr>
-    <a:masterClrMapping/>
-  </p:clrMapOvr>
-</p:sld>
-</file>
-
-<file path=ppt/slides/slide6.xml><?xml version="1.0" encoding="utf-8"?>
-<p:sld xmlns:a="http://schemas.openxmlformats.org/drawingml/2006/main" xmlns:r="http://schemas.openxmlformats.org/officeDocument/2006/relationships" xmlns:p="http://schemas.openxmlformats.org/presentationml/2006/main">
-  <p:cSld>
-    <p:bg>
-      <p:bgPr>
-        <a:solidFill>
-          <a:schemeClr val="accent2"/>
-        </a:solidFill>
-        <a:effectLst/>
-      </p:bgPr>
-    </p:bg>
-    <p:spTree>
-      <p:nvGrpSpPr>
-        <p:cNvPr id="1" name=""/>
-        <p:cNvGrpSpPr/>
-        <p:nvPr/>
-      </p:nvGrpSpPr>
-      <p:grpSpPr>
-        <a:xfrm>
-          <a:off x="0" y="0"/>
-          <a:ext cx="0" cy="0"/>
-          <a:chOff x="0" y="0"/>
-          <a:chExt cx="0" cy="0"/>
-        </a:xfrm>
-      </p:grpSpPr>
-      <p:sp>
-        <p:nvSpPr>
-          <p:cNvPr id="8" name="Rectangle 7">
+              <a:t>Klasser implementerer/nedarver interfaces</a:t>
+            </a:r>
+          </a:p>
+        </p:txBody>
+      </p:sp>
+      <p:pic>
+        <p:nvPicPr>
+          <p:cNvPr id="5" name="Billede 4">
             <a:extLst>
               <a:ext uri="{FF2B5EF4-FFF2-40B4-BE49-F238E27FC236}">
-                <a16:creationId xmlns:a16="http://schemas.microsoft.com/office/drawing/2014/main" id="{87D3A4E0-C908-4EA9-ABDF-E82AD6BDEF9D}"/>
-              </a:ext>
-              <a:ext uri="{C183D7F6-B498-43B3-948B-1728B52AA6E4}">
-                <adec:decorative xmlns:adec="http://schemas.microsoft.com/office/drawing/2017/decorative" val="1"/>
-              </a:ext>
-            </a:extLst>
-          </p:cNvPr>
-          <p:cNvSpPr>
-            <a:spLocks noGrp="1" noRot="1" noChangeAspect="1" noMove="1" noResize="1" noEditPoints="1" noAdjustHandles="1" noChangeArrowheads="1" noChangeShapeType="1" noTextEdit="1"/>
-          </p:cNvSpPr>
-          <p:nvPr>
-            <p:extLst>
-              <p:ext uri="{386F3935-93C4-4BCD-93E2-E3B085C9AB24}">
-                <p16:designElem xmlns:p16="http://schemas.microsoft.com/office/powerpoint/2015/main" val="1"/>
-              </p:ext>
-            </p:extLst>
-          </p:nvPr>
-        </p:nvSpPr>
-        <p:spPr>
-          <a:xfrm>
-            <a:off x="6096000" y="0"/>
-            <a:ext cx="6096000" cy="6858000"/>
-          </a:xfrm>
-          <a:prstGeom prst="rect">
-            <a:avLst/>
-          </a:prstGeom>
-          <a:solidFill>
-            <a:schemeClr val="tx1">
-              <a:lumMod val="95000"/>
-            </a:schemeClr>
-          </a:solidFill>
-          <a:ln>
-            <a:noFill/>
-          </a:ln>
-        </p:spPr>
-        <p:style>
-          <a:lnRef idx="2">
-            <a:schemeClr val="accent1">
-              <a:shade val="50000"/>
-            </a:schemeClr>
-          </a:lnRef>
-          <a:fillRef idx="1">
-            <a:schemeClr val="accent1"/>
-          </a:fillRef>
-          <a:effectRef idx="0">
-            <a:schemeClr val="accent1"/>
-          </a:effectRef>
-          <a:fontRef idx="minor">
-            <a:schemeClr val="lt1"/>
-          </a:fontRef>
-        </p:style>
-        <p:txBody>
-          <a:bodyPr rtlCol="0" anchor="ctr"/>
-          <a:lstStyle/>
-          <a:p>
-            <a:pPr algn="ctr"/>
-            <a:endParaRPr lang="en-US"/>
-          </a:p>
-        </p:txBody>
-      </p:sp>
-      <p:sp>
-        <p:nvSpPr>
-          <p:cNvPr id="2" name="Titel 1">
-            <a:extLst>
-              <a:ext uri="{FF2B5EF4-FFF2-40B4-BE49-F238E27FC236}">
-                <a16:creationId xmlns:a16="http://schemas.microsoft.com/office/drawing/2014/main" id="{D10E594A-6ABF-F840-A714-834E47950830}"/>
-              </a:ext>
-            </a:extLst>
-          </p:cNvPr>
-          <p:cNvSpPr>
-            <a:spLocks noGrp="1"/>
-          </p:cNvSpPr>
-          <p:nvPr>
-            <p:ph type="title"/>
-          </p:nvPr>
-        </p:nvSpPr>
-        <p:spPr>
-          <a:xfrm>
-            <a:off x="4293394" y="3072590"/>
-            <a:ext cx="3605212" cy="712819"/>
-          </a:xfrm>
-        </p:spPr>
-        <p:txBody>
-          <a:bodyPr vert="horz" lIns="274320" tIns="182880" rIns="274320" bIns="182880" rtlCol="0" anchor="ctr" anchorCtr="1">
-            <a:normAutofit fontScale="90000"/>
-          </a:bodyPr>
-          <a:lstStyle/>
-          <a:p>
-            <a:r>
-              <a:rPr lang="en-US" sz="3800" dirty="0" err="1"/>
-              <a:t>Forskellen</a:t>
-            </a:r>
-            <a:endParaRPr lang="en-US" sz="3800" dirty="0"/>
-          </a:p>
-        </p:txBody>
-      </p:sp>
-      <p:sp>
-        <p:nvSpPr>
-          <p:cNvPr id="4" name="Tekstfelt 3">
-            <a:extLst>
-              <a:ext uri="{FF2B5EF4-FFF2-40B4-BE49-F238E27FC236}">
-                <a16:creationId xmlns:a16="http://schemas.microsoft.com/office/drawing/2014/main" id="{8D2007BE-CDC5-D142-B047-E965192AFC24}"/>
-              </a:ext>
-            </a:extLst>
-          </p:cNvPr>
-          <p:cNvSpPr txBox="1"/>
-          <p:nvPr/>
-        </p:nvSpPr>
-        <p:spPr>
-          <a:xfrm>
-            <a:off x="928688" y="357188"/>
-            <a:ext cx="4105611" cy="369332"/>
-          </a:xfrm>
-          <a:prstGeom prst="rect">
-            <a:avLst/>
-          </a:prstGeom>
-          <a:noFill/>
-        </p:spPr>
-        <p:txBody>
-          <a:bodyPr wrap="none" rtlCol="0">
-            <a:spAutoFit/>
-          </a:bodyPr>
-          <a:lstStyle/>
-          <a:p>
-            <a:r>
-              <a:rPr lang="da-DK" dirty="0"/>
-              <a:t>Ligheder mellem en klasse og et interface:</a:t>
-            </a:r>
-          </a:p>
-        </p:txBody>
-      </p:sp>
-      <p:sp>
-        <p:nvSpPr>
-          <p:cNvPr id="5" name="Tekstfelt 4">
-            <a:extLst>
-              <a:ext uri="{FF2B5EF4-FFF2-40B4-BE49-F238E27FC236}">
-                <a16:creationId xmlns:a16="http://schemas.microsoft.com/office/drawing/2014/main" id="{EABEECC3-D9FE-9A4B-A8E1-E2903D9AC69D}"/>
-              </a:ext>
-            </a:extLst>
-          </p:cNvPr>
-          <p:cNvSpPr txBox="1"/>
-          <p:nvPr/>
-        </p:nvSpPr>
-        <p:spPr>
-          <a:xfrm>
-            <a:off x="7017808" y="386478"/>
-            <a:ext cx="4252383" cy="369332"/>
-          </a:xfrm>
-          <a:prstGeom prst="rect">
-            <a:avLst/>
-          </a:prstGeom>
-          <a:noFill/>
-        </p:spPr>
-        <p:txBody>
-          <a:bodyPr wrap="none" rtlCol="0">
-            <a:spAutoFit/>
-          </a:bodyPr>
-          <a:lstStyle/>
-          <a:p>
-            <a:r>
-              <a:rPr lang="da-DK" dirty="0">
-                <a:solidFill>
-                  <a:schemeClr val="bg1"/>
-                </a:solidFill>
-              </a:rPr>
-              <a:t>Forskellen mellem en klasse og et interface:</a:t>
-            </a:r>
-          </a:p>
-        </p:txBody>
-      </p:sp>
-      <p:sp>
-        <p:nvSpPr>
-          <p:cNvPr id="7" name="Tekstfelt 6">
-            <a:extLst>
-              <a:ext uri="{FF2B5EF4-FFF2-40B4-BE49-F238E27FC236}">
-                <a16:creationId xmlns:a16="http://schemas.microsoft.com/office/drawing/2014/main" id="{6ADE1FF2-C8E2-C842-B6F4-87B2CDCE51A3}"/>
-              </a:ext>
-            </a:extLst>
-          </p:cNvPr>
-          <p:cNvSpPr txBox="1"/>
-          <p:nvPr/>
-        </p:nvSpPr>
-        <p:spPr>
-          <a:xfrm>
-            <a:off x="106027" y="1062486"/>
-            <a:ext cx="5959004" cy="3139321"/>
-          </a:xfrm>
-          <a:prstGeom prst="rect">
-            <a:avLst/>
-          </a:prstGeom>
-          <a:noFill/>
-        </p:spPr>
-        <p:txBody>
-          <a:bodyPr wrap="none" rtlCol="0">
-            <a:spAutoFit/>
-          </a:bodyPr>
-          <a:lstStyle/>
-          <a:p>
-            <a:r>
-              <a:rPr lang="da-DK" dirty="0"/>
-              <a:t>Et interface kan indeholde ‘uendeligt’ mange metoder.</a:t>
-            </a:r>
-          </a:p>
-          <a:p>
-            <a:endParaRPr lang="da-DK" dirty="0"/>
-          </a:p>
-          <a:p>
-            <a:r>
-              <a:rPr lang="da-DK" dirty="0"/>
-              <a:t>Et interface er skrevet i en fil, som besidder en .</a:t>
-            </a:r>
-            <a:r>
-              <a:rPr lang="da-DK" dirty="0" err="1"/>
-              <a:t>java</a:t>
-            </a:r>
-            <a:r>
-              <a:rPr lang="da-DK" dirty="0"/>
-              <a:t> </a:t>
-            </a:r>
-            <a:r>
-              <a:rPr lang="da-DK" dirty="0" err="1"/>
-              <a:t>extension</a:t>
-            </a:r>
-            <a:br>
-              <a:rPr lang="da-DK" dirty="0"/>
-            </a:br>
-            <a:r>
-              <a:rPr lang="da-DK" dirty="0"/>
-              <a:t>med navnet på interfacet, som matcher navnet på filen.</a:t>
-            </a:r>
-          </a:p>
-          <a:p>
-            <a:endParaRPr lang="da-DK" dirty="0"/>
-          </a:p>
-          <a:p>
-            <a:r>
-              <a:rPr lang="da-DK" dirty="0"/>
-              <a:t>Bytekoden af et interface kommer ud som en .</a:t>
-            </a:r>
-            <a:r>
-              <a:rPr lang="da-DK" dirty="0" err="1"/>
-              <a:t>class</a:t>
-            </a:r>
-            <a:r>
-              <a:rPr lang="da-DK" dirty="0"/>
-              <a:t> fil</a:t>
-            </a:r>
-          </a:p>
-          <a:p>
-            <a:endParaRPr lang="da-DK" dirty="0"/>
-          </a:p>
-          <a:p>
-            <a:r>
-              <a:rPr lang="da-DK" dirty="0"/>
-              <a:t>Interfaces kommer også til syne i </a:t>
-            </a:r>
-            <a:r>
-              <a:rPr lang="da-DK" dirty="0" err="1"/>
-              <a:t>packages</a:t>
-            </a:r>
-            <a:r>
-              <a:rPr lang="da-DK" dirty="0"/>
-              <a:t>, </a:t>
-            </a:r>
-            <a:br>
-              <a:rPr lang="da-DK" dirty="0"/>
-            </a:br>
-            <a:r>
-              <a:rPr lang="da-DK" dirty="0"/>
-              <a:t>hvor deres tilsvarende bytekode fil skal </a:t>
-            </a:r>
-            <a:br>
-              <a:rPr lang="da-DK" dirty="0"/>
-            </a:br>
-            <a:r>
-              <a:rPr lang="da-DK" dirty="0"/>
-              <a:t>være placeret i et </a:t>
-            </a:r>
-            <a:r>
-              <a:rPr lang="da-DK" dirty="0" err="1"/>
-              <a:t>directory</a:t>
-            </a:r>
-            <a:r>
-              <a:rPr lang="da-DK" dirty="0"/>
-              <a:t> struktur, som </a:t>
-            </a:r>
-            <a:br>
-              <a:rPr lang="da-DK" dirty="0"/>
-            </a:br>
-            <a:r>
-              <a:rPr lang="da-DK" dirty="0"/>
-              <a:t>matcher </a:t>
-            </a:r>
-            <a:r>
-              <a:rPr lang="da-DK" dirty="0" err="1"/>
-              <a:t>package</a:t>
-            </a:r>
-            <a:r>
-              <a:rPr lang="da-DK" dirty="0"/>
-              <a:t> navnet.</a:t>
-            </a:r>
-          </a:p>
-        </p:txBody>
-      </p:sp>
-      <p:sp>
-        <p:nvSpPr>
-          <p:cNvPr id="9" name="Tekstfelt 8">
-            <a:extLst>
-              <a:ext uri="{FF2B5EF4-FFF2-40B4-BE49-F238E27FC236}">
-                <a16:creationId xmlns:a16="http://schemas.microsoft.com/office/drawing/2014/main" id="{E621298C-B51A-094D-94BC-F21E60B31E38}"/>
-              </a:ext>
-            </a:extLst>
-          </p:cNvPr>
-          <p:cNvSpPr txBox="1"/>
-          <p:nvPr/>
-        </p:nvSpPr>
-        <p:spPr>
-          <a:xfrm>
-            <a:off x="7109460" y="1085850"/>
-            <a:ext cx="5167825" cy="4524315"/>
-          </a:xfrm>
-          <a:prstGeom prst="rect">
-            <a:avLst/>
-          </a:prstGeom>
-          <a:noFill/>
-        </p:spPr>
-        <p:txBody>
-          <a:bodyPr wrap="none" rtlCol="0">
-            <a:spAutoFit/>
-          </a:bodyPr>
-          <a:lstStyle/>
-          <a:p>
-            <a:r>
-              <a:rPr lang="da-DK" dirty="0">
-                <a:solidFill>
-                  <a:schemeClr val="bg1"/>
-                </a:solidFill>
-              </a:rPr>
-              <a:t>Man kan ikke </a:t>
-            </a:r>
-            <a:r>
-              <a:rPr lang="da-DK" dirty="0" err="1">
-                <a:solidFill>
-                  <a:schemeClr val="bg1"/>
-                </a:solidFill>
-              </a:rPr>
-              <a:t>instantiere</a:t>
-            </a:r>
-            <a:r>
-              <a:rPr lang="da-DK" dirty="0">
-                <a:solidFill>
-                  <a:schemeClr val="bg1"/>
-                </a:solidFill>
-              </a:rPr>
-              <a:t> et interface.</a:t>
-            </a:r>
-          </a:p>
-          <a:p>
-            <a:endParaRPr lang="da-DK" dirty="0">
-              <a:solidFill>
-                <a:schemeClr val="bg1"/>
-              </a:solidFill>
-            </a:endParaRPr>
-          </a:p>
-          <a:p>
-            <a:r>
-              <a:rPr lang="da-DK" dirty="0">
-                <a:solidFill>
-                  <a:schemeClr val="bg1"/>
-                </a:solidFill>
-              </a:rPr>
-              <a:t>Et interface indeholder ingen </a:t>
-            </a:r>
-            <a:r>
-              <a:rPr lang="da-DK" dirty="0" err="1">
-                <a:solidFill>
-                  <a:schemeClr val="bg1"/>
-                </a:solidFill>
-              </a:rPr>
-              <a:t>constructors</a:t>
-            </a:r>
-            <a:r>
-              <a:rPr lang="da-DK" dirty="0">
-                <a:solidFill>
-                  <a:schemeClr val="bg1"/>
-                </a:solidFill>
-              </a:rPr>
-              <a:t>.</a:t>
-            </a:r>
-          </a:p>
-          <a:p>
-            <a:endParaRPr lang="da-DK" dirty="0">
-              <a:solidFill>
-                <a:schemeClr val="bg1"/>
-              </a:solidFill>
-            </a:endParaRPr>
-          </a:p>
-          <a:p>
-            <a:r>
-              <a:rPr lang="da-DK" dirty="0">
-                <a:solidFill>
-                  <a:schemeClr val="bg1"/>
-                </a:solidFill>
-              </a:rPr>
-              <a:t>Samtlige metoder i et interface er abstrakte.</a:t>
-            </a:r>
-          </a:p>
-          <a:p>
-            <a:endParaRPr lang="da-DK" dirty="0">
-              <a:solidFill>
-                <a:schemeClr val="bg1"/>
-              </a:solidFill>
-            </a:endParaRPr>
-          </a:p>
-          <a:p>
-            <a:r>
-              <a:rPr lang="da-DK" dirty="0">
-                <a:solidFill>
-                  <a:schemeClr val="bg1"/>
-                </a:solidFill>
-              </a:rPr>
-              <a:t>De eneste </a:t>
-            </a:r>
-            <a:r>
-              <a:rPr lang="da-DK" dirty="0" err="1">
-                <a:solidFill>
-                  <a:schemeClr val="bg1"/>
-                </a:solidFill>
-              </a:rPr>
-              <a:t>fields</a:t>
-            </a:r>
-            <a:r>
-              <a:rPr lang="da-DK" dirty="0">
-                <a:solidFill>
-                  <a:schemeClr val="bg1"/>
-                </a:solidFill>
-              </a:rPr>
-              <a:t>, som et interface kan have skal</a:t>
-            </a:r>
-            <a:br>
-              <a:rPr lang="da-DK" dirty="0">
-                <a:solidFill>
-                  <a:schemeClr val="bg1"/>
-                </a:solidFill>
-              </a:rPr>
-            </a:br>
-            <a:r>
-              <a:rPr lang="da-DK" dirty="0">
-                <a:solidFill>
-                  <a:schemeClr val="bg1"/>
-                </a:solidFill>
-              </a:rPr>
-              <a:t>            deklareres som statiske og final. </a:t>
-            </a:r>
-          </a:p>
-          <a:p>
-            <a:endParaRPr lang="da-DK" dirty="0">
-              <a:solidFill>
-                <a:schemeClr val="bg1"/>
-              </a:solidFill>
-            </a:endParaRPr>
-          </a:p>
-          <a:p>
-            <a:endParaRPr lang="da-DK" dirty="0">
-              <a:solidFill>
-                <a:schemeClr val="bg1"/>
-              </a:solidFill>
-            </a:endParaRPr>
-          </a:p>
-          <a:p>
-            <a:r>
-              <a:rPr lang="da-DK" dirty="0">
-                <a:solidFill>
-                  <a:schemeClr val="bg1"/>
-                </a:solidFill>
-              </a:rPr>
-              <a:t>Et interface kan ikke blive </a:t>
-            </a:r>
-            <a:r>
-              <a:rPr lang="da-DK" dirty="0" err="1">
-                <a:solidFill>
-                  <a:schemeClr val="bg1"/>
-                </a:solidFill>
-              </a:rPr>
-              <a:t>extended</a:t>
-            </a:r>
-            <a:r>
-              <a:rPr lang="da-DK" dirty="0">
-                <a:solidFill>
-                  <a:schemeClr val="bg1"/>
-                </a:solidFill>
-              </a:rPr>
-              <a:t> af en klasse, men</a:t>
-            </a:r>
-          </a:p>
-          <a:p>
-            <a:r>
-              <a:rPr lang="da-DK" dirty="0">
-                <a:solidFill>
-                  <a:schemeClr val="bg1"/>
-                </a:solidFill>
-              </a:rPr>
-              <a:t>Bliver altid implementeret af en klasse.</a:t>
-            </a:r>
-          </a:p>
-          <a:p>
-            <a:endParaRPr lang="da-DK" dirty="0">
-              <a:solidFill>
-                <a:schemeClr val="bg1"/>
-              </a:solidFill>
-            </a:endParaRPr>
-          </a:p>
-          <a:p>
-            <a:r>
-              <a:rPr lang="da-DK" dirty="0">
-                <a:solidFill>
-                  <a:schemeClr val="bg1"/>
-                </a:solidFill>
-              </a:rPr>
-              <a:t>Et interface kan </a:t>
-            </a:r>
-            <a:r>
-              <a:rPr lang="da-DK" dirty="0" err="1">
-                <a:solidFill>
-                  <a:schemeClr val="bg1"/>
-                </a:solidFill>
-              </a:rPr>
-              <a:t>extende</a:t>
-            </a:r>
-            <a:r>
-              <a:rPr lang="da-DK" dirty="0">
-                <a:solidFill>
-                  <a:schemeClr val="bg1"/>
-                </a:solidFill>
-              </a:rPr>
-              <a:t> flere interfaces</a:t>
-            </a:r>
-          </a:p>
-          <a:p>
-            <a:endParaRPr lang="da-DK" dirty="0">
-              <a:solidFill>
-                <a:schemeClr val="bg1"/>
-              </a:solidFill>
-            </a:endParaRPr>
-          </a:p>
-          <a:p>
-            <a:endParaRPr lang="da-DK" dirty="0">
-              <a:solidFill>
-                <a:schemeClr val="bg1"/>
-              </a:solidFill>
-            </a:endParaRPr>
-          </a:p>
-        </p:txBody>
-      </p:sp>
-    </p:spTree>
-    <p:extLst>
-      <p:ext uri="{BB962C8B-B14F-4D97-AF65-F5344CB8AC3E}">
-        <p14:creationId xmlns:p14="http://schemas.microsoft.com/office/powerpoint/2010/main" val="3355997805"/>
-      </p:ext>
-    </p:extLst>
-  </p:cSld>
-  <p:clrMapOvr>
-    <a:masterClrMapping/>
-  </p:clrMapOvr>
-</p:sld>
-</file>
-
-<file path=ppt/slides/slide7.xml><?xml version="1.0" encoding="utf-8"?>
-<p:sld xmlns:a="http://schemas.openxmlformats.org/drawingml/2006/main" xmlns:r="http://schemas.openxmlformats.org/officeDocument/2006/relationships" xmlns:p="http://schemas.openxmlformats.org/presentationml/2006/main">
-  <p:cSld>
-    <p:bg>
-      <p:bgPr>
-        <a:solidFill>
-          <a:schemeClr val="bg1">
-            <a:lumMod val="95000"/>
-          </a:schemeClr>
-        </a:solidFill>
-        <a:effectLst/>
-      </p:bgPr>
-    </p:bg>
-    <p:spTree>
-      <p:nvGrpSpPr>
-        <p:cNvPr id="1" name=""/>
-        <p:cNvGrpSpPr/>
-        <p:nvPr/>
-      </p:nvGrpSpPr>
-      <p:grpSpPr>
-        <a:xfrm>
-          <a:off x="0" y="0"/>
-          <a:ext cx="0" cy="0"/>
-          <a:chOff x="0" y="0"/>
-          <a:chExt cx="0" cy="0"/>
-        </a:xfrm>
-      </p:grpSpPr>
-      <p:sp>
-        <p:nvSpPr>
-          <p:cNvPr id="2" name="Titel 1">
-            <a:extLst>
-              <a:ext uri="{FF2B5EF4-FFF2-40B4-BE49-F238E27FC236}">
-                <a16:creationId xmlns:a16="http://schemas.microsoft.com/office/drawing/2014/main" id="{DE1E5E6D-B70A-9247-A1D6-931EB0BDC034}"/>
-              </a:ext>
-            </a:extLst>
-          </p:cNvPr>
-          <p:cNvSpPr>
-            <a:spLocks noGrp="1"/>
-          </p:cNvSpPr>
-          <p:nvPr>
-            <p:ph type="title"/>
-          </p:nvPr>
-        </p:nvSpPr>
-        <p:spPr>
-          <a:xfrm>
-            <a:off x="5138928" y="964692"/>
-            <a:ext cx="6092952" cy="1188720"/>
-          </a:xfrm>
-        </p:spPr>
-        <p:txBody>
-          <a:bodyPr>
-            <a:normAutofit/>
-          </a:bodyPr>
-          <a:lstStyle/>
-          <a:p>
-            <a:r>
-              <a:rPr lang="da-DK" dirty="0"/>
-              <a:t>Interface eksempel</a:t>
-            </a:r>
-          </a:p>
-        </p:txBody>
-      </p:sp>
-      <p:sp>
-        <p:nvSpPr>
-          <p:cNvPr id="12" name="Content Placeholder 11">
-            <a:extLst>
-              <a:ext uri="{FF2B5EF4-FFF2-40B4-BE49-F238E27FC236}">
-                <a16:creationId xmlns:a16="http://schemas.microsoft.com/office/drawing/2014/main" id="{4832CFD5-7E01-4603-8E66-5534B4C9D728}"/>
-              </a:ext>
-            </a:extLst>
-          </p:cNvPr>
-          <p:cNvSpPr>
-            <a:spLocks noGrp="1"/>
-          </p:cNvSpPr>
-          <p:nvPr>
-            <p:ph idx="1"/>
-          </p:nvPr>
-        </p:nvSpPr>
-        <p:spPr>
-          <a:xfrm>
-            <a:off x="960121" y="964692"/>
-            <a:ext cx="3707652" cy="4775335"/>
-          </a:xfrm>
-        </p:spPr>
-        <p:txBody>
-          <a:bodyPr>
-            <a:normAutofit/>
-          </a:bodyPr>
-          <a:lstStyle/>
-          <a:p>
-            <a:r>
-              <a:rPr lang="en-US" dirty="0"/>
-              <a:t>Vi </a:t>
-            </a:r>
-            <a:r>
-              <a:rPr lang="en-US" dirty="0" err="1"/>
-              <a:t>bruger</a:t>
-            </a:r>
-            <a:r>
-              <a:rPr lang="en-US" dirty="0"/>
-              <a:t> interface </a:t>
-            </a:r>
-            <a:r>
-              <a:rPr lang="en-US" dirty="0" err="1"/>
-              <a:t>keywordet</a:t>
-            </a:r>
-            <a:r>
-              <a:rPr lang="en-US" dirty="0"/>
-              <a:t> </a:t>
-            </a:r>
-            <a:r>
-              <a:rPr lang="en-US" dirty="0" err="1"/>
-              <a:t>til</a:t>
-            </a:r>
-            <a:r>
-              <a:rPr lang="en-US" dirty="0"/>
-              <a:t>, at </a:t>
-            </a:r>
-            <a:r>
-              <a:rPr lang="en-US" dirty="0" err="1"/>
-              <a:t>deklarere</a:t>
-            </a:r>
-            <a:r>
-              <a:rPr lang="en-US" dirty="0"/>
-              <a:t> et interface, </a:t>
-            </a:r>
-            <a:r>
-              <a:rPr lang="en-US" dirty="0" err="1"/>
-              <a:t>som</a:t>
-            </a:r>
-            <a:r>
-              <a:rPr lang="en-US" dirty="0"/>
-              <a:t> </a:t>
-            </a:r>
-            <a:r>
-              <a:rPr lang="en-US" dirty="0" err="1"/>
-              <a:t>vores</a:t>
-            </a:r>
-            <a:r>
-              <a:rPr lang="en-US" dirty="0"/>
-              <a:t> </a:t>
-            </a:r>
-            <a:r>
-              <a:rPr lang="en-US" dirty="0" err="1"/>
-              <a:t>eksempel</a:t>
-            </a:r>
-            <a:r>
-              <a:rPr lang="en-US" dirty="0"/>
-              <a:t> her ‘interface animal’. </a:t>
-            </a:r>
-          </a:p>
-          <a:p>
-            <a:endParaRPr lang="en-US" dirty="0"/>
-          </a:p>
-          <a:p>
-            <a:r>
-              <a:rPr lang="en-US" dirty="0"/>
-              <a:t>Da et interface </a:t>
-            </a:r>
-            <a:r>
-              <a:rPr lang="en-US" dirty="0" err="1"/>
-              <a:t>allerede</a:t>
-            </a:r>
-            <a:r>
-              <a:rPr lang="en-US" dirty="0"/>
-              <a:t> </a:t>
-            </a:r>
-            <a:r>
-              <a:rPr lang="en-US" dirty="0" err="1"/>
-              <a:t>er</a:t>
-            </a:r>
-            <a:r>
-              <a:rPr lang="en-US" dirty="0"/>
-              <a:t> abstract, </a:t>
-            </a:r>
-            <a:r>
-              <a:rPr lang="en-US" dirty="0" err="1"/>
-              <a:t>så</a:t>
-            </a:r>
-            <a:r>
-              <a:rPr lang="en-US" dirty="0"/>
-              <a:t> </a:t>
-            </a:r>
-            <a:r>
-              <a:rPr lang="en-US" dirty="0" err="1"/>
-              <a:t>behøver</a:t>
-            </a:r>
-            <a:r>
-              <a:rPr lang="en-US" dirty="0"/>
-              <a:t> vi </a:t>
-            </a:r>
-            <a:r>
-              <a:rPr lang="en-US" dirty="0" err="1"/>
-              <a:t>ikke</a:t>
-            </a:r>
-            <a:r>
-              <a:rPr lang="en-US" dirty="0"/>
-              <a:t> </a:t>
-            </a:r>
-            <a:r>
-              <a:rPr lang="en-US" dirty="0" err="1"/>
-              <a:t>benytte</a:t>
-            </a:r>
-            <a:r>
-              <a:rPr lang="en-US" dirty="0"/>
-              <a:t> </a:t>
-            </a:r>
-            <a:r>
-              <a:rPr lang="en-US" dirty="0" err="1"/>
-              <a:t>keywordet</a:t>
-            </a:r>
-            <a:r>
-              <a:rPr lang="en-US" dirty="0"/>
-              <a:t> ‘abstract’. </a:t>
-            </a:r>
-          </a:p>
-          <a:p>
-            <a:endParaRPr lang="en-US" dirty="0"/>
-          </a:p>
-          <a:p>
-            <a:r>
-              <a:rPr lang="en-US" dirty="0"/>
-              <a:t>I </a:t>
-            </a:r>
-            <a:r>
-              <a:rPr lang="en-US" dirty="0" err="1"/>
-              <a:t>vores</a:t>
-            </a:r>
-            <a:r>
-              <a:rPr lang="en-US" dirty="0"/>
-              <a:t> interface ‘animal’, </a:t>
-            </a:r>
-            <a:r>
-              <a:rPr lang="en-US" dirty="0" err="1"/>
-              <a:t>så</a:t>
-            </a:r>
-            <a:r>
-              <a:rPr lang="en-US" dirty="0"/>
-              <a:t> </a:t>
-            </a:r>
-            <a:r>
-              <a:rPr lang="en-US" dirty="0" err="1"/>
-              <a:t>læg</a:t>
-            </a:r>
-            <a:r>
-              <a:rPr lang="en-US" dirty="0"/>
-              <a:t> </a:t>
-            </a:r>
-            <a:r>
-              <a:rPr lang="en-US" dirty="0" err="1"/>
-              <a:t>også</a:t>
-            </a:r>
-            <a:r>
-              <a:rPr lang="en-US" dirty="0"/>
-              <a:t> </a:t>
-            </a:r>
-            <a:r>
-              <a:rPr lang="en-US" dirty="0" err="1"/>
-              <a:t>mærke</a:t>
-            </a:r>
-            <a:r>
-              <a:rPr lang="en-US" dirty="0"/>
-              <a:t> </a:t>
-            </a:r>
-            <a:r>
-              <a:rPr lang="en-US" dirty="0" err="1"/>
-              <a:t>til</a:t>
-            </a:r>
-            <a:r>
-              <a:rPr lang="en-US" dirty="0"/>
-              <a:t>, at der </a:t>
-            </a:r>
-            <a:r>
-              <a:rPr lang="en-US" dirty="0" err="1"/>
-              <a:t>ikke</a:t>
-            </a:r>
-            <a:r>
-              <a:rPr lang="en-US" dirty="0"/>
-              <a:t> </a:t>
-            </a:r>
-            <a:r>
-              <a:rPr lang="en-US" dirty="0" err="1"/>
-              <a:t>står</a:t>
-            </a:r>
-            <a:r>
-              <a:rPr lang="en-US" dirty="0"/>
-              <a:t> ‘public’ </a:t>
-            </a:r>
-            <a:r>
-              <a:rPr lang="en-US" dirty="0" err="1"/>
-              <a:t>foran</a:t>
-            </a:r>
-            <a:r>
-              <a:rPr lang="en-US" dirty="0"/>
-              <a:t>, da et interface </a:t>
-            </a:r>
-            <a:r>
-              <a:rPr lang="en-US" dirty="0" err="1"/>
-              <a:t>er</a:t>
-            </a:r>
-            <a:r>
-              <a:rPr lang="en-US" dirty="0"/>
-              <a:t> implicit public.</a:t>
-            </a:r>
-          </a:p>
-        </p:txBody>
-      </p:sp>
-      <p:pic>
-        <p:nvPicPr>
-          <p:cNvPr id="7" name="Billede 6">
-            <a:extLst>
-              <a:ext uri="{FF2B5EF4-FFF2-40B4-BE49-F238E27FC236}">
-                <a16:creationId xmlns:a16="http://schemas.microsoft.com/office/drawing/2014/main" id="{B1C04C85-CEAC-BB42-8701-63E963CFC57C}"/>
+                <a16:creationId xmlns:a16="http://schemas.microsoft.com/office/drawing/2014/main" id="{AD940D99-B654-439F-8B49-67423DC82105}"/>
               </a:ext>
             </a:extLst>
           </p:cNvPr>
@@ -5617,26 +4713,20 @@
         </p:blipFill>
         <p:spPr>
           <a:xfrm>
-            <a:off x="5010341" y="2260986"/>
-            <a:ext cx="3421418" cy="3943998"/>
+            <a:off x="312039" y="3429000"/>
+            <a:ext cx="4143375" cy="1133475"/>
           </a:xfrm>
           <a:prstGeom prst="rect">
             <a:avLst/>
           </a:prstGeom>
-          <a:ln w="31750" cap="sq">
-            <a:solidFill>
-              <a:srgbClr val="FFFFFF"/>
-            </a:solidFill>
-            <a:miter lim="800000"/>
-          </a:ln>
         </p:spPr>
       </p:pic>
       <p:pic>
         <p:nvPicPr>
-          <p:cNvPr id="10" name="Pladsholder til indhold 4">
+          <p:cNvPr id="6" name="Billede 5">
             <a:extLst>
               <a:ext uri="{FF2B5EF4-FFF2-40B4-BE49-F238E27FC236}">
-                <a16:creationId xmlns:a16="http://schemas.microsoft.com/office/drawing/2014/main" id="{C6A62711-DF77-EB4B-9B60-71424038CC24}"/>
+                <a16:creationId xmlns:a16="http://schemas.microsoft.com/office/drawing/2014/main" id="{A126664F-2DDA-4D3E-AC27-01991EA08BC4}"/>
               </a:ext>
             </a:extLst>
           </p:cNvPr>
@@ -5653,24 +4743,18 @@
         </p:blipFill>
         <p:spPr>
           <a:xfrm>
-            <a:off x="8560346" y="2481676"/>
-            <a:ext cx="2885611" cy="1527676"/>
+            <a:off x="6374511" y="3429000"/>
+            <a:ext cx="5505450" cy="2714625"/>
           </a:xfrm>
           <a:prstGeom prst="rect">
             <a:avLst/>
           </a:prstGeom>
-          <a:ln w="31750" cap="sq">
-            <a:solidFill>
-              <a:srgbClr val="FFFFFF"/>
-            </a:solidFill>
-            <a:miter lim="800000"/>
-          </a:ln>
         </p:spPr>
       </p:pic>
     </p:spTree>
     <p:extLst>
       <p:ext uri="{BB962C8B-B14F-4D97-AF65-F5344CB8AC3E}">
-        <p14:creationId xmlns:p14="http://schemas.microsoft.com/office/powerpoint/2010/main" val="1517294590"/>
+        <p14:creationId xmlns:p14="http://schemas.microsoft.com/office/powerpoint/2010/main" val="110408121"/>
       </p:ext>
     </p:extLst>
   </p:cSld>
@@ -5680,7 +4764,7 @@
 </p:sld>
 </file>
 
-<file path=ppt/slides/slide8.xml><?xml version="1.0" encoding="utf-8"?>
+<file path=ppt/slides/slide6.xml><?xml version="1.0" encoding="utf-8"?>
 <p:sld xmlns:a="http://schemas.openxmlformats.org/drawingml/2006/main" xmlns:r="http://schemas.openxmlformats.org/officeDocument/2006/relationships" xmlns:p="http://schemas.openxmlformats.org/presentationml/2006/main">
   <p:cSld>
     <p:bg>
@@ -5810,7 +4894,7 @@
           <a:lstStyle/>
           <a:p>
             <a:r>
-              <a:rPr lang="da-DK" sz="3000">
+              <a:rPr lang="da-DK" sz="3000" dirty="0">
                 <a:solidFill>
                   <a:srgbClr val="FFFFFF"/>
                 </a:solidFill>
@@ -5998,11 +5082,41 @@
                   <a:srgbClr val="404040"/>
                 </a:solidFill>
               </a:rPr>
-              <a:t>Hvis en klasse ikke benytter samtlige af interfacets metoder, skal klassen deklareres som abstrakt. </a:t>
-            </a:r>
-          </a:p>
-        </p:txBody>
-      </p:sp>
+              <a:t>Abstract</a:t>
+            </a:r>
+          </a:p>
+        </p:txBody>
+      </p:sp>
+      <p:pic>
+        <p:nvPicPr>
+          <p:cNvPr id="4" name="Billede 3">
+            <a:extLst>
+              <a:ext uri="{FF2B5EF4-FFF2-40B4-BE49-F238E27FC236}">
+                <a16:creationId xmlns:a16="http://schemas.microsoft.com/office/drawing/2014/main" id="{43AAE8F8-A97A-47BB-A64A-40F33BD114FC}"/>
+              </a:ext>
+            </a:extLst>
+          </p:cNvPr>
+          <p:cNvPicPr>
+            <a:picLocks noChangeAspect="1"/>
+          </p:cNvPicPr>
+          <p:nvPr/>
+        </p:nvPicPr>
+        <p:blipFill>
+          <a:blip r:embed="rId3"/>
+          <a:stretch>
+            <a:fillRect/>
+          </a:stretch>
+        </p:blipFill>
+        <p:spPr>
+          <a:xfrm>
+            <a:off x="20676" y="4389120"/>
+            <a:ext cx="5571177" cy="1913763"/>
+          </a:xfrm>
+          <a:prstGeom prst="rect">
+            <a:avLst/>
+          </a:prstGeom>
+        </p:spPr>
+      </p:pic>
     </p:spTree>
     <p:extLst>
       <p:ext uri="{BB962C8B-B14F-4D97-AF65-F5344CB8AC3E}">
@@ -6274,4 +5388,299 @@
     </a:ext>
   </a:extLst>
 </a:theme>
+</file>
+
+<file path=ppt/theme/theme2.xml><?xml version="1.0" encoding="utf-8"?>
+<a:theme xmlns:a="http://schemas.openxmlformats.org/drawingml/2006/main" name="Office-tema">
+  <a:themeElements>
+    <a:clrScheme name="Office">
+      <a:dk1>
+        <a:sysClr val="windowText" lastClr="000000"/>
+      </a:dk1>
+      <a:lt1>
+        <a:sysClr val="window" lastClr="FFFFFF"/>
+      </a:lt1>
+      <a:dk2>
+        <a:srgbClr val="44546A"/>
+      </a:dk2>
+      <a:lt2>
+        <a:srgbClr val="E7E6E6"/>
+      </a:lt2>
+      <a:accent1>
+        <a:srgbClr val="4472C4"/>
+      </a:accent1>
+      <a:accent2>
+        <a:srgbClr val="ED7D31"/>
+      </a:accent2>
+      <a:accent3>
+        <a:srgbClr val="A5A5A5"/>
+      </a:accent3>
+      <a:accent4>
+        <a:srgbClr val="FFC000"/>
+      </a:accent4>
+      <a:accent5>
+        <a:srgbClr val="5B9BD5"/>
+      </a:accent5>
+      <a:accent6>
+        <a:srgbClr val="70AD47"/>
+      </a:accent6>
+      <a:hlink>
+        <a:srgbClr val="0563C1"/>
+      </a:hlink>
+      <a:folHlink>
+        <a:srgbClr val="954F72"/>
+      </a:folHlink>
+    </a:clrScheme>
+    <a:fontScheme name="Office">
+      <a:majorFont>
+        <a:latin typeface="Calibri Light" panose="020F0302020204030204"/>
+        <a:ea typeface=""/>
+        <a:cs typeface=""/>
+        <a:font script="Jpan" typeface="游ゴシック Light"/>
+        <a:font script="Hang" typeface="맑은 고딕"/>
+        <a:font script="Hans" typeface="等线 Light"/>
+        <a:font script="Hant" typeface="新細明體"/>
+        <a:font script="Arab" typeface="Times New Roman"/>
+        <a:font script="Hebr" typeface="Times New Roman"/>
+        <a:font script="Thai" typeface="Angsana New"/>
+        <a:font script="Ethi" typeface="Nyala"/>
+        <a:font script="Beng" typeface="Vrinda"/>
+        <a:font script="Gujr" typeface="Shruti"/>
+        <a:font script="Khmr" typeface="MoolBoran"/>
+        <a:font script="Knda" typeface="Tunga"/>
+        <a:font script="Guru" typeface="Raavi"/>
+        <a:font script="Cans" typeface="Euphemia"/>
+        <a:font script="Cher" typeface="Plantagenet Cherokee"/>
+        <a:font script="Yiii" typeface="Microsoft Yi Baiti"/>
+        <a:font script="Tibt" typeface="Microsoft Himalaya"/>
+        <a:font script="Thaa" typeface="MV Boli"/>
+        <a:font script="Deva" typeface="Mangal"/>
+        <a:font script="Telu" typeface="Gautami"/>
+        <a:font script="Taml" typeface="Latha"/>
+        <a:font script="Syrc" typeface="Estrangelo Edessa"/>
+        <a:font script="Orya" typeface="Kalinga"/>
+        <a:font script="Mlym" typeface="Kartika"/>
+        <a:font script="Laoo" typeface="DokChampa"/>
+        <a:font script="Sinh" typeface="Iskoola Pota"/>
+        <a:font script="Mong" typeface="Mongolian Baiti"/>
+        <a:font script="Viet" typeface="Times New Roman"/>
+        <a:font script="Uigh" typeface="Microsoft Uighur"/>
+        <a:font script="Geor" typeface="Sylfaen"/>
+        <a:font script="Armn" typeface="Arial"/>
+        <a:font script="Bugi" typeface="Leelawadee UI"/>
+        <a:font script="Bopo" typeface="Microsoft JhengHei"/>
+        <a:font script="Java" typeface="Javanese Text"/>
+        <a:font script="Lisu" typeface="Segoe UI"/>
+        <a:font script="Mymr" typeface="Myanmar Text"/>
+        <a:font script="Nkoo" typeface="Ebrima"/>
+        <a:font script="Olck" typeface="Nirmala UI"/>
+        <a:font script="Osma" typeface="Ebrima"/>
+        <a:font script="Phag" typeface="Phagspa"/>
+        <a:font script="Syrn" typeface="Estrangelo Edessa"/>
+        <a:font script="Syrj" typeface="Estrangelo Edessa"/>
+        <a:font script="Syre" typeface="Estrangelo Edessa"/>
+        <a:font script="Sora" typeface="Nirmala UI"/>
+        <a:font script="Tale" typeface="Microsoft Tai Le"/>
+        <a:font script="Talu" typeface="Microsoft New Tai Lue"/>
+        <a:font script="Tfng" typeface="Ebrima"/>
+      </a:majorFont>
+      <a:minorFont>
+        <a:latin typeface="Calibri" panose="020F0502020204030204"/>
+        <a:ea typeface=""/>
+        <a:cs typeface=""/>
+        <a:font script="Jpan" typeface="游ゴシック"/>
+        <a:font script="Hang" typeface="맑은 고딕"/>
+        <a:font script="Hans" typeface="等线"/>
+        <a:font script="Hant" typeface="新細明體"/>
+        <a:font script="Arab" typeface="Arial"/>
+        <a:font script="Hebr" typeface="Arial"/>
+        <a:font script="Thai" typeface="Cordia New"/>
+        <a:font script="Ethi" typeface="Nyala"/>
+        <a:font script="Beng" typeface="Vrinda"/>
+        <a:font script="Gujr" typeface="Shruti"/>
+        <a:font script="Khmr" typeface="DaunPenh"/>
+        <a:font script="Knda" typeface="Tunga"/>
+        <a:font script="Guru" typeface="Raavi"/>
+        <a:font script="Cans" typeface="Euphemia"/>
+        <a:font script="Cher" typeface="Plantagenet Cherokee"/>
+        <a:font script="Yiii" typeface="Microsoft Yi Baiti"/>
+        <a:font script="Tibt" typeface="Microsoft Himalaya"/>
+        <a:font script="Thaa" typeface="MV Boli"/>
+        <a:font script="Deva" typeface="Mangal"/>
+        <a:font script="Telu" typeface="Gautami"/>
+        <a:font script="Taml" typeface="Latha"/>
+        <a:font script="Syrc" typeface="Estrangelo Edessa"/>
+        <a:font script="Orya" typeface="Kalinga"/>
+        <a:font script="Mlym" typeface="Kartika"/>
+        <a:font script="Laoo" typeface="DokChampa"/>
+        <a:font script="Sinh" typeface="Iskoola Pota"/>
+        <a:font script="Mong" typeface="Mongolian Baiti"/>
+        <a:font script="Viet" typeface="Arial"/>
+        <a:font script="Uigh" typeface="Microsoft Uighur"/>
+        <a:font script="Geor" typeface="Sylfaen"/>
+        <a:font script="Armn" typeface="Arial"/>
+        <a:font script="Bugi" typeface="Leelawadee UI"/>
+        <a:font script="Bopo" typeface="Microsoft JhengHei"/>
+        <a:font script="Java" typeface="Javanese Text"/>
+        <a:font script="Lisu" typeface="Segoe UI"/>
+        <a:font script="Mymr" typeface="Myanmar Text"/>
+        <a:font script="Nkoo" typeface="Ebrima"/>
+        <a:font script="Olck" typeface="Nirmala UI"/>
+        <a:font script="Osma" typeface="Ebrima"/>
+        <a:font script="Phag" typeface="Phagspa"/>
+        <a:font script="Syrn" typeface="Estrangelo Edessa"/>
+        <a:font script="Syrj" typeface="Estrangelo Edessa"/>
+        <a:font script="Syre" typeface="Estrangelo Edessa"/>
+        <a:font script="Sora" typeface="Nirmala UI"/>
+        <a:font script="Tale" typeface="Microsoft Tai Le"/>
+        <a:font script="Talu" typeface="Microsoft New Tai Lue"/>
+        <a:font script="Tfng" typeface="Ebrima"/>
+      </a:minorFont>
+    </a:fontScheme>
+    <a:fmtScheme name="Office">
+      <a:fillStyleLst>
+        <a:solidFill>
+          <a:schemeClr val="phClr"/>
+        </a:solidFill>
+        <a:gradFill rotWithShape="1">
+          <a:gsLst>
+            <a:gs pos="0">
+              <a:schemeClr val="phClr">
+                <a:lumMod val="110000"/>
+                <a:satMod val="105000"/>
+                <a:tint val="67000"/>
+              </a:schemeClr>
+            </a:gs>
+            <a:gs pos="50000">
+              <a:schemeClr val="phClr">
+                <a:lumMod val="105000"/>
+                <a:satMod val="103000"/>
+                <a:tint val="73000"/>
+              </a:schemeClr>
+            </a:gs>
+            <a:gs pos="100000">
+              <a:schemeClr val="phClr">
+                <a:lumMod val="105000"/>
+                <a:satMod val="109000"/>
+                <a:tint val="81000"/>
+              </a:schemeClr>
+            </a:gs>
+          </a:gsLst>
+          <a:lin ang="5400000" scaled="0"/>
+        </a:gradFill>
+        <a:gradFill rotWithShape="1">
+          <a:gsLst>
+            <a:gs pos="0">
+              <a:schemeClr val="phClr">
+                <a:satMod val="103000"/>
+                <a:lumMod val="102000"/>
+                <a:tint val="94000"/>
+              </a:schemeClr>
+            </a:gs>
+            <a:gs pos="50000">
+              <a:schemeClr val="phClr">
+                <a:satMod val="110000"/>
+                <a:lumMod val="100000"/>
+                <a:shade val="100000"/>
+              </a:schemeClr>
+            </a:gs>
+            <a:gs pos="100000">
+              <a:schemeClr val="phClr">
+                <a:lumMod val="99000"/>
+                <a:satMod val="120000"/>
+                <a:shade val="78000"/>
+              </a:schemeClr>
+            </a:gs>
+          </a:gsLst>
+          <a:lin ang="5400000" scaled="0"/>
+        </a:gradFill>
+      </a:fillStyleLst>
+      <a:lnStyleLst>
+        <a:ln w="6350" cap="flat" cmpd="sng" algn="ctr">
+          <a:solidFill>
+            <a:schemeClr val="phClr"/>
+          </a:solidFill>
+          <a:prstDash val="solid"/>
+          <a:miter lim="800000"/>
+        </a:ln>
+        <a:ln w="12700" cap="flat" cmpd="sng" algn="ctr">
+          <a:solidFill>
+            <a:schemeClr val="phClr"/>
+          </a:solidFill>
+          <a:prstDash val="solid"/>
+          <a:miter lim="800000"/>
+        </a:ln>
+        <a:ln w="19050" cap="flat" cmpd="sng" algn="ctr">
+          <a:solidFill>
+            <a:schemeClr val="phClr"/>
+          </a:solidFill>
+          <a:prstDash val="solid"/>
+          <a:miter lim="800000"/>
+        </a:ln>
+      </a:lnStyleLst>
+      <a:effectStyleLst>
+        <a:effectStyle>
+          <a:effectLst/>
+        </a:effectStyle>
+        <a:effectStyle>
+          <a:effectLst/>
+        </a:effectStyle>
+        <a:effectStyle>
+          <a:effectLst>
+            <a:outerShdw blurRad="57150" dist="19050" dir="5400000" algn="ctr" rotWithShape="0">
+              <a:srgbClr val="000000">
+                <a:alpha val="63000"/>
+              </a:srgbClr>
+            </a:outerShdw>
+          </a:effectLst>
+        </a:effectStyle>
+      </a:effectStyleLst>
+      <a:bgFillStyleLst>
+        <a:solidFill>
+          <a:schemeClr val="phClr"/>
+        </a:solidFill>
+        <a:solidFill>
+          <a:schemeClr val="phClr">
+            <a:tint val="95000"/>
+            <a:satMod val="170000"/>
+          </a:schemeClr>
+        </a:solidFill>
+        <a:gradFill rotWithShape="1">
+          <a:gsLst>
+            <a:gs pos="0">
+              <a:schemeClr val="phClr">
+                <a:tint val="93000"/>
+                <a:satMod val="150000"/>
+                <a:shade val="98000"/>
+                <a:lumMod val="102000"/>
+              </a:schemeClr>
+            </a:gs>
+            <a:gs pos="50000">
+              <a:schemeClr val="phClr">
+                <a:tint val="98000"/>
+                <a:satMod val="130000"/>
+                <a:shade val="90000"/>
+                <a:lumMod val="103000"/>
+              </a:schemeClr>
+            </a:gs>
+            <a:gs pos="100000">
+              <a:schemeClr val="phClr">
+                <a:shade val="63000"/>
+                <a:satMod val="120000"/>
+              </a:schemeClr>
+            </a:gs>
+          </a:gsLst>
+          <a:lin ang="5400000" scaled="0"/>
+        </a:gradFill>
+      </a:bgFillStyleLst>
+    </a:fmtScheme>
+  </a:themeElements>
+  <a:objectDefaults/>
+  <a:extraClrSchemeLst/>
+  <a:extLst>
+    <a:ext uri="{05A4C25C-085E-4340-85A3-A5531E510DB2}">
+      <thm15:themeFamily xmlns:thm15="http://schemas.microsoft.com/office/thememl/2012/main" name="Office Theme" id="{62F939B6-93AF-4DB8-9C6B-D6C7DFDC589F}" vid="{4A3C46E8-61CC-4603-A589-7422A47A8E4A}"/>
+    </a:ext>
+  </a:extLst>
+</a:theme>
 </file>